--- a/palestra.pptx
+++ b/palestra.pptx
@@ -5,7 +5,7 @@
     <p:sldMasterId id="2147483648" r:id="rId1"/>
   </p:sldMasterIdLst>
   <p:notesMasterIdLst>
-    <p:notesMasterId r:id="rId14"/>
+    <p:notesMasterId r:id="rId15"/>
   </p:notesMasterIdLst>
   <p:sldIdLst>
     <p:sldId id="256" r:id="rId2"/>
@@ -17,9 +17,10 @@
     <p:sldId id="292" r:id="rId8"/>
     <p:sldId id="288" r:id="rId9"/>
     <p:sldId id="293" r:id="rId10"/>
-    <p:sldId id="294" r:id="rId11"/>
-    <p:sldId id="295" r:id="rId12"/>
-    <p:sldId id="287" r:id="rId13"/>
+    <p:sldId id="297" r:id="rId11"/>
+    <p:sldId id="294" r:id="rId12"/>
+    <p:sldId id="295" r:id="rId13"/>
+    <p:sldId id="287" r:id="rId14"/>
   </p:sldIdLst>
   <p:sldSz cx="12192000" cy="6858000"/>
   <p:notesSz cx="6858000" cy="9144000"/>
@@ -3834,11 +3835,7 @@
             <a:pPr algn="ctr"/>
             <a:r>
               <a:rPr lang="pt-BR" dirty="0" smtClean="0"/>
-              <a:t>15 </a:t>
-            </a:r>
-            <a:r>
-              <a:rPr lang="pt-BR" dirty="0" smtClean="0"/>
-              <a:t>de novembro de 2025</a:t>
+              <a:t>15 de novembro de 2025</a:t>
             </a:r>
             <a:endParaRPr lang="pt-BR" dirty="0"/>
           </a:p>
@@ -4598,10 +4595,2118 @@
           </a:prstGeom>
         </p:spPr>
       </p:pic>
+      <p:grpSp>
+        <p:nvGrpSpPr>
+          <p:cNvPr id="53" name="Group 52"/>
+          <p:cNvGrpSpPr/>
+          <p:nvPr/>
+        </p:nvGrpSpPr>
+        <p:grpSpPr>
+          <a:xfrm>
+            <a:off x="860103" y="774170"/>
+            <a:ext cx="3975873" cy="1170561"/>
+            <a:chOff x="522235" y="1076419"/>
+            <a:chExt cx="3975873" cy="1170561"/>
+          </a:xfrm>
+        </p:grpSpPr>
+        <p:sp>
+          <p:nvSpPr>
+            <p:cNvPr id="18" name="Rounded Rectangle 17"/>
+            <p:cNvSpPr/>
+            <p:nvPr/>
+          </p:nvSpPr>
+          <p:spPr>
+            <a:xfrm>
+              <a:off x="522235" y="1076419"/>
+              <a:ext cx="3975873" cy="1158784"/>
+            </a:xfrm>
+            <a:prstGeom prst="roundRect">
+              <a:avLst/>
+            </a:prstGeom>
+            <a:solidFill>
+              <a:srgbClr val="FFCCFF">
+                <a:alpha val="37000"/>
+              </a:srgbClr>
+            </a:solidFill>
+            <a:ln>
+              <a:solidFill>
+                <a:srgbClr val="FFCCFF"/>
+              </a:solidFill>
+            </a:ln>
+          </p:spPr>
+          <p:style>
+            <a:lnRef idx="2">
+              <a:schemeClr val="accent1">
+                <a:shade val="50000"/>
+              </a:schemeClr>
+            </a:lnRef>
+            <a:fillRef idx="1">
+              <a:schemeClr val="accent1"/>
+            </a:fillRef>
+            <a:effectRef idx="0">
+              <a:schemeClr val="accent1"/>
+            </a:effectRef>
+            <a:fontRef idx="minor">
+              <a:schemeClr val="lt1"/>
+            </a:fontRef>
+          </p:style>
+          <p:txBody>
+            <a:bodyPr rtlCol="0" anchor="ctr"/>
+            <a:lstStyle/>
+            <a:p>
+              <a:pPr algn="ctr"/>
+              <a:endParaRPr lang="pt-BR" dirty="0"/>
+            </a:p>
+          </p:txBody>
+        </p:sp>
+        <p:sp>
+          <p:nvSpPr>
+            <p:cNvPr id="20" name="TextBox 19"/>
+            <p:cNvSpPr txBox="1"/>
+            <p:nvPr/>
+          </p:nvSpPr>
+          <p:spPr>
+            <a:xfrm>
+              <a:off x="1594687" y="1209474"/>
+              <a:ext cx="2502864" cy="307777"/>
+            </a:xfrm>
+            <a:prstGeom prst="rect">
+              <a:avLst/>
+            </a:prstGeom>
+            <a:noFill/>
+          </p:spPr>
+          <p:txBody>
+            <a:bodyPr wrap="square" rtlCol="0">
+              <a:spAutoFit/>
+            </a:bodyPr>
+            <a:lstStyle/>
+            <a:p>
+              <a:pPr algn="ctr"/>
+              <a:r>
+                <a:rPr lang="pt-BR" sz="1400" b="1" dirty="0" smtClean="0"/>
+                <a:t>CARREGAR A IMAGEM </a:t>
+              </a:r>
+              <a:endParaRPr lang="pt-BR" sz="1400" b="1" dirty="0" smtClean="0"/>
+            </a:p>
+          </p:txBody>
+        </p:sp>
+        <p:sp>
+          <p:nvSpPr>
+            <p:cNvPr id="21" name="TextBox 20"/>
+            <p:cNvSpPr txBox="1"/>
+            <p:nvPr/>
+          </p:nvSpPr>
+          <p:spPr>
+            <a:xfrm>
+              <a:off x="1486772" y="1529028"/>
+              <a:ext cx="2903421" cy="523220"/>
+            </a:xfrm>
+            <a:prstGeom prst="rect">
+              <a:avLst/>
+            </a:prstGeom>
+            <a:noFill/>
+          </p:spPr>
+          <p:txBody>
+            <a:bodyPr wrap="square" rtlCol="0">
+              <a:spAutoFit/>
+            </a:bodyPr>
+            <a:lstStyle/>
+            <a:p>
+              <a:pPr algn="ctr"/>
+              <a:r>
+                <a:rPr lang="pt-BR" sz="1400" dirty="0" smtClean="0"/>
+                <a:t>Carrega a imagem e transforma em RGB usando a biblioteca Pillow.</a:t>
+              </a:r>
+            </a:p>
+          </p:txBody>
+        </p:sp>
+        <p:pic>
+          <p:nvPicPr>
+            <p:cNvPr id="5" name="Picture 4"/>
+            <p:cNvPicPr>
+              <a:picLocks noChangeAspect="1"/>
+            </p:cNvPicPr>
+            <p:nvPr/>
+          </p:nvPicPr>
+          <p:blipFill>
+            <a:blip r:embed="rId3" cstate="print">
+              <a:extLst>
+                <a:ext uri="{28A0092B-C50C-407E-A947-70E740481C1C}">
+                  <a14:useLocalDpi xmlns:a14="http://schemas.microsoft.com/office/drawing/2010/main" val="0"/>
+                </a:ext>
+              </a:extLst>
+            </a:blip>
+            <a:stretch>
+              <a:fillRect/>
+            </a:stretch>
+          </p:blipFill>
+          <p:spPr>
+            <a:xfrm>
+              <a:off x="552047" y="1143831"/>
+              <a:ext cx="1063751" cy="1103149"/>
+            </a:xfrm>
+            <a:prstGeom prst="rect">
+              <a:avLst/>
+            </a:prstGeom>
+          </p:spPr>
+        </p:pic>
+      </p:grpSp>
+      <p:grpSp>
+        <p:nvGrpSpPr>
+          <p:cNvPr id="52" name="Group 51"/>
+          <p:cNvGrpSpPr/>
+          <p:nvPr/>
+        </p:nvGrpSpPr>
+        <p:grpSpPr>
+          <a:xfrm>
+            <a:off x="565264" y="2515379"/>
+            <a:ext cx="4590398" cy="1680309"/>
+            <a:chOff x="5432833" y="945346"/>
+            <a:chExt cx="4590398" cy="1680309"/>
+          </a:xfrm>
+        </p:grpSpPr>
+        <p:sp>
+          <p:nvSpPr>
+            <p:cNvPr id="19" name="Rounded Rectangle 18"/>
+            <p:cNvSpPr/>
+            <p:nvPr/>
+          </p:nvSpPr>
+          <p:spPr>
+            <a:xfrm>
+              <a:off x="5432833" y="945346"/>
+              <a:ext cx="4590398" cy="1680309"/>
+            </a:xfrm>
+            <a:prstGeom prst="roundRect">
+              <a:avLst/>
+            </a:prstGeom>
+            <a:solidFill>
+              <a:srgbClr val="FFCCFF">
+                <a:alpha val="37000"/>
+              </a:srgbClr>
+            </a:solidFill>
+            <a:ln>
+              <a:solidFill>
+                <a:srgbClr val="FFCCFF"/>
+              </a:solidFill>
+            </a:ln>
+          </p:spPr>
+          <p:style>
+            <a:lnRef idx="2">
+              <a:schemeClr val="accent1">
+                <a:shade val="50000"/>
+              </a:schemeClr>
+            </a:lnRef>
+            <a:fillRef idx="1">
+              <a:schemeClr val="accent1"/>
+            </a:fillRef>
+            <a:effectRef idx="0">
+              <a:schemeClr val="accent1"/>
+            </a:effectRef>
+            <a:fontRef idx="minor">
+              <a:schemeClr val="lt1"/>
+            </a:fontRef>
+          </p:style>
+          <p:txBody>
+            <a:bodyPr rtlCol="0" anchor="ctr"/>
+            <a:lstStyle/>
+            <a:p>
+              <a:pPr algn="ctr"/>
+              <a:endParaRPr lang="pt-BR" dirty="0"/>
+            </a:p>
+          </p:txBody>
+        </p:sp>
+        <p:sp>
+          <p:nvSpPr>
+            <p:cNvPr id="22" name="TextBox 21"/>
+            <p:cNvSpPr txBox="1"/>
+            <p:nvPr/>
+          </p:nvSpPr>
+          <p:spPr>
+            <a:xfrm>
+              <a:off x="5572027" y="1037678"/>
+              <a:ext cx="2502864" cy="307777"/>
+            </a:xfrm>
+            <a:prstGeom prst="rect">
+              <a:avLst/>
+            </a:prstGeom>
+            <a:noFill/>
+          </p:spPr>
+          <p:txBody>
+            <a:bodyPr wrap="square" rtlCol="0">
+              <a:spAutoFit/>
+            </a:bodyPr>
+            <a:lstStyle/>
+            <a:p>
+              <a:pPr algn="ctr"/>
+              <a:r>
+                <a:rPr lang="pt-BR" sz="1400" b="1" dirty="0" smtClean="0"/>
+                <a:t>REDIMENSIONAR A IMAGEM </a:t>
+              </a:r>
+              <a:endParaRPr lang="pt-BR" sz="1400" b="1" dirty="0" smtClean="0"/>
+            </a:p>
+          </p:txBody>
+        </p:sp>
+        <p:grpSp>
+          <p:nvGrpSpPr>
+            <p:cNvPr id="51" name="Group 50"/>
+            <p:cNvGrpSpPr/>
+            <p:nvPr/>
+          </p:nvGrpSpPr>
+          <p:grpSpPr>
+            <a:xfrm>
+              <a:off x="8407462" y="945346"/>
+              <a:ext cx="1608516" cy="1472211"/>
+              <a:chOff x="7932834" y="983769"/>
+              <a:chExt cx="1608516" cy="1472211"/>
+            </a:xfrm>
+          </p:grpSpPr>
+          <p:grpSp>
+            <p:nvGrpSpPr>
+              <p:cNvPr id="47" name="Group 46"/>
+              <p:cNvGrpSpPr/>
+              <p:nvPr/>
+            </p:nvGrpSpPr>
+            <p:grpSpPr>
+              <a:xfrm>
+                <a:off x="7932834" y="1209437"/>
+                <a:ext cx="1355555" cy="1246543"/>
+                <a:chOff x="7932834" y="1209437"/>
+                <a:chExt cx="1355555" cy="1246543"/>
+              </a:xfrm>
+            </p:grpSpPr>
+            <p:pic>
+              <p:nvPicPr>
+                <p:cNvPr id="23" name="Picture 22"/>
+                <p:cNvPicPr>
+                  <a:picLocks noChangeAspect="1"/>
+                </p:cNvPicPr>
+                <p:nvPr/>
+              </p:nvPicPr>
+              <p:blipFill>
+                <a:blip r:embed="rId3" cstate="print">
+                  <a:extLst>
+                    <a:ext uri="{28A0092B-C50C-407E-A947-70E740481C1C}">
+                      <a14:useLocalDpi xmlns:a14="http://schemas.microsoft.com/office/drawing/2010/main" val="0"/>
+                    </a:ext>
+                  </a:extLst>
+                </a:blip>
+                <a:stretch>
+                  <a:fillRect/>
+                </a:stretch>
+              </p:blipFill>
+              <p:spPr>
+                <a:xfrm>
+                  <a:off x="8052849" y="1292968"/>
+                  <a:ext cx="1063751" cy="1103149"/>
+                </a:xfrm>
+                <a:prstGeom prst="rect">
+                  <a:avLst/>
+                </a:prstGeom>
+              </p:spPr>
+            </p:pic>
+            <p:sp>
+              <p:nvSpPr>
+                <p:cNvPr id="2" name="Rectangle 1"/>
+                <p:cNvSpPr/>
+                <p:nvPr/>
+              </p:nvSpPr>
+              <p:spPr>
+                <a:xfrm>
+                  <a:off x="7934036" y="1221252"/>
+                  <a:ext cx="1348509" cy="1228872"/>
+                </a:xfrm>
+                <a:prstGeom prst="rect">
+                  <a:avLst/>
+                </a:prstGeom>
+                <a:noFill/>
+                <a:ln w="19050">
+                  <a:solidFill>
+                    <a:schemeClr val="tx1"/>
+                  </a:solidFill>
+                </a:ln>
+              </p:spPr>
+              <p:style>
+                <a:lnRef idx="2">
+                  <a:schemeClr val="accent1">
+                    <a:shade val="50000"/>
+                  </a:schemeClr>
+                </a:lnRef>
+                <a:fillRef idx="1">
+                  <a:schemeClr val="accent1"/>
+                </a:fillRef>
+                <a:effectRef idx="0">
+                  <a:schemeClr val="accent1"/>
+                </a:effectRef>
+                <a:fontRef idx="minor">
+                  <a:schemeClr val="lt1"/>
+                </a:fontRef>
+              </p:style>
+              <p:txBody>
+                <a:bodyPr rtlCol="0" anchor="ctr"/>
+                <a:lstStyle/>
+                <a:p>
+                  <a:pPr algn="ctr"/>
+                  <a:endParaRPr lang="pt-BR"/>
+                </a:p>
+              </p:txBody>
+            </p:sp>
+            <p:cxnSp>
+              <p:nvCxnSpPr>
+                <p:cNvPr id="4" name="Straight Connector 3"/>
+                <p:cNvCxnSpPr/>
+                <p:nvPr/>
+              </p:nvCxnSpPr>
+              <p:spPr>
+                <a:xfrm>
+                  <a:off x="8052849" y="1215329"/>
+                  <a:ext cx="0" cy="1234795"/>
+                </a:xfrm>
+                <a:prstGeom prst="line">
+                  <a:avLst/>
+                </a:prstGeom>
+                <a:ln w="19050">
+                  <a:solidFill>
+                    <a:schemeClr val="tx1"/>
+                  </a:solidFill>
+                </a:ln>
+              </p:spPr>
+              <p:style>
+                <a:lnRef idx="1">
+                  <a:schemeClr val="accent1"/>
+                </a:lnRef>
+                <a:fillRef idx="0">
+                  <a:schemeClr val="accent1"/>
+                </a:fillRef>
+                <a:effectRef idx="0">
+                  <a:schemeClr val="accent1"/>
+                </a:effectRef>
+                <a:fontRef idx="minor">
+                  <a:schemeClr val="tx1"/>
+                </a:fontRef>
+              </p:style>
+            </p:cxnSp>
+            <p:cxnSp>
+              <p:nvCxnSpPr>
+                <p:cNvPr id="24" name="Straight Connector 23"/>
+                <p:cNvCxnSpPr/>
+                <p:nvPr/>
+              </p:nvCxnSpPr>
+              <p:spPr>
+                <a:xfrm flipH="1">
+                  <a:off x="8200292" y="1227051"/>
+                  <a:ext cx="4957" cy="1223073"/>
+                </a:xfrm>
+                <a:prstGeom prst="line">
+                  <a:avLst/>
+                </a:prstGeom>
+                <a:ln w="19050">
+                  <a:solidFill>
+                    <a:schemeClr val="tx1"/>
+                  </a:solidFill>
+                </a:ln>
+              </p:spPr>
+              <p:style>
+                <a:lnRef idx="1">
+                  <a:schemeClr val="accent1"/>
+                </a:lnRef>
+                <a:fillRef idx="0">
+                  <a:schemeClr val="accent1"/>
+                </a:fillRef>
+                <a:effectRef idx="0">
+                  <a:schemeClr val="accent1"/>
+                </a:effectRef>
+                <a:fontRef idx="minor">
+                  <a:schemeClr val="tx1"/>
+                </a:fontRef>
+              </p:style>
+            </p:cxnSp>
+            <p:cxnSp>
+              <p:nvCxnSpPr>
+                <p:cNvPr id="25" name="Straight Connector 24"/>
+                <p:cNvCxnSpPr/>
+                <p:nvPr/>
+              </p:nvCxnSpPr>
+              <p:spPr>
+                <a:xfrm flipH="1">
+                  <a:off x="8346831" y="1227045"/>
+                  <a:ext cx="16680" cy="1223079"/>
+                </a:xfrm>
+                <a:prstGeom prst="line">
+                  <a:avLst/>
+                </a:prstGeom>
+                <a:ln w="19050">
+                  <a:solidFill>
+                    <a:schemeClr val="tx1"/>
+                  </a:solidFill>
+                </a:ln>
+              </p:spPr>
+              <p:style>
+                <a:lnRef idx="1">
+                  <a:schemeClr val="accent1"/>
+                </a:lnRef>
+                <a:fillRef idx="0">
+                  <a:schemeClr val="accent1"/>
+                </a:fillRef>
+                <a:effectRef idx="0">
+                  <a:schemeClr val="accent1"/>
+                </a:effectRef>
+                <a:fontRef idx="minor">
+                  <a:schemeClr val="tx1"/>
+                </a:fontRef>
+              </p:style>
+            </p:cxnSp>
+            <p:cxnSp>
+              <p:nvCxnSpPr>
+                <p:cNvPr id="26" name="Straight Connector 25"/>
+                <p:cNvCxnSpPr/>
+                <p:nvPr/>
+              </p:nvCxnSpPr>
+              <p:spPr>
+                <a:xfrm flipH="1">
+                  <a:off x="8499231" y="1215314"/>
+                  <a:ext cx="22542" cy="1234810"/>
+                </a:xfrm>
+                <a:prstGeom prst="line">
+                  <a:avLst/>
+                </a:prstGeom>
+                <a:ln w="19050">
+                  <a:solidFill>
+                    <a:schemeClr val="tx1"/>
+                  </a:solidFill>
+                </a:ln>
+              </p:spPr>
+              <p:style>
+                <a:lnRef idx="1">
+                  <a:schemeClr val="accent1"/>
+                </a:lnRef>
+                <a:fillRef idx="0">
+                  <a:schemeClr val="accent1"/>
+                </a:fillRef>
+                <a:effectRef idx="0">
+                  <a:schemeClr val="accent1"/>
+                </a:effectRef>
+                <a:fontRef idx="minor">
+                  <a:schemeClr val="tx1"/>
+                </a:fontRef>
+              </p:style>
+            </p:cxnSp>
+            <p:cxnSp>
+              <p:nvCxnSpPr>
+                <p:cNvPr id="28" name="Straight Connector 27"/>
+                <p:cNvCxnSpPr/>
+                <p:nvPr/>
+              </p:nvCxnSpPr>
+              <p:spPr>
+                <a:xfrm flipH="1">
+                  <a:off x="8821615" y="1221165"/>
+                  <a:ext cx="4958" cy="1228959"/>
+                </a:xfrm>
+                <a:prstGeom prst="line">
+                  <a:avLst/>
+                </a:prstGeom>
+                <a:ln w="19050">
+                  <a:solidFill>
+                    <a:schemeClr val="tx1"/>
+                  </a:solidFill>
+                </a:ln>
+              </p:spPr>
+              <p:style>
+                <a:lnRef idx="1">
+                  <a:schemeClr val="accent1"/>
+                </a:lnRef>
+                <a:fillRef idx="0">
+                  <a:schemeClr val="accent1"/>
+                </a:fillRef>
+                <a:effectRef idx="0">
+                  <a:schemeClr val="accent1"/>
+                </a:effectRef>
+                <a:fontRef idx="minor">
+                  <a:schemeClr val="tx1"/>
+                </a:fontRef>
+              </p:style>
+            </p:cxnSp>
+            <p:cxnSp>
+              <p:nvCxnSpPr>
+                <p:cNvPr id="29" name="Straight Connector 28"/>
+                <p:cNvCxnSpPr/>
+                <p:nvPr/>
+              </p:nvCxnSpPr>
+              <p:spPr>
+                <a:xfrm flipH="1">
+                  <a:off x="8962292" y="1209437"/>
+                  <a:ext cx="16681" cy="1240687"/>
+                </a:xfrm>
+                <a:prstGeom prst="line">
+                  <a:avLst/>
+                </a:prstGeom>
+                <a:ln w="19050">
+                  <a:solidFill>
+                    <a:schemeClr val="tx1"/>
+                  </a:solidFill>
+                </a:ln>
+              </p:spPr>
+              <p:style>
+                <a:lnRef idx="1">
+                  <a:schemeClr val="accent1"/>
+                </a:lnRef>
+                <a:fillRef idx="0">
+                  <a:schemeClr val="accent1"/>
+                </a:fillRef>
+                <a:effectRef idx="0">
+                  <a:schemeClr val="accent1"/>
+                </a:effectRef>
+                <a:fontRef idx="minor">
+                  <a:schemeClr val="tx1"/>
+                </a:fontRef>
+              </p:style>
+            </p:cxnSp>
+            <p:cxnSp>
+              <p:nvCxnSpPr>
+                <p:cNvPr id="30" name="Straight Connector 29"/>
+                <p:cNvCxnSpPr/>
+                <p:nvPr/>
+              </p:nvCxnSpPr>
+              <p:spPr>
+                <a:xfrm flipH="1">
+                  <a:off x="9116600" y="1227018"/>
+                  <a:ext cx="14773" cy="1223106"/>
+                </a:xfrm>
+                <a:prstGeom prst="line">
+                  <a:avLst/>
+                </a:prstGeom>
+                <a:ln w="19050">
+                  <a:solidFill>
+                    <a:schemeClr val="tx1"/>
+                  </a:solidFill>
+                </a:ln>
+              </p:spPr>
+              <p:style>
+                <a:lnRef idx="1">
+                  <a:schemeClr val="accent1"/>
+                </a:lnRef>
+                <a:fillRef idx="0">
+                  <a:schemeClr val="accent1"/>
+                </a:fillRef>
+                <a:effectRef idx="0">
+                  <a:schemeClr val="accent1"/>
+                </a:effectRef>
+                <a:fontRef idx="minor">
+                  <a:schemeClr val="tx1"/>
+                </a:fontRef>
+              </p:style>
+            </p:cxnSp>
+            <p:cxnSp>
+              <p:nvCxnSpPr>
+                <p:cNvPr id="31" name="Straight Connector 30"/>
+                <p:cNvCxnSpPr/>
+                <p:nvPr/>
+              </p:nvCxnSpPr>
+              <p:spPr>
+                <a:xfrm flipH="1">
+                  <a:off x="7938720" y="1363362"/>
+                  <a:ext cx="1343825" cy="6666"/>
+                </a:xfrm>
+                <a:prstGeom prst="line">
+                  <a:avLst/>
+                </a:prstGeom>
+                <a:ln w="19050">
+                  <a:solidFill>
+                    <a:schemeClr val="tx1"/>
+                  </a:solidFill>
+                </a:ln>
+              </p:spPr>
+              <p:style>
+                <a:lnRef idx="1">
+                  <a:schemeClr val="accent1"/>
+                </a:lnRef>
+                <a:fillRef idx="0">
+                  <a:schemeClr val="accent1"/>
+                </a:fillRef>
+                <a:effectRef idx="0">
+                  <a:schemeClr val="accent1"/>
+                </a:effectRef>
+                <a:fontRef idx="minor">
+                  <a:schemeClr val="tx1"/>
+                </a:fontRef>
+              </p:style>
+            </p:cxnSp>
+            <p:cxnSp>
+              <p:nvCxnSpPr>
+                <p:cNvPr id="32" name="Straight Connector 31"/>
+                <p:cNvCxnSpPr/>
+                <p:nvPr/>
+              </p:nvCxnSpPr>
+              <p:spPr>
+                <a:xfrm flipH="1">
+                  <a:off x="7938715" y="1515762"/>
+                  <a:ext cx="1343825" cy="6666"/>
+                </a:xfrm>
+                <a:prstGeom prst="line">
+                  <a:avLst/>
+                </a:prstGeom>
+                <a:ln w="19050">
+                  <a:solidFill>
+                    <a:schemeClr val="tx1"/>
+                  </a:solidFill>
+                </a:ln>
+              </p:spPr>
+              <p:style>
+                <a:lnRef idx="1">
+                  <a:schemeClr val="accent1"/>
+                </a:lnRef>
+                <a:fillRef idx="0">
+                  <a:schemeClr val="accent1"/>
+                </a:fillRef>
+                <a:effectRef idx="0">
+                  <a:schemeClr val="accent1"/>
+                </a:effectRef>
+                <a:fontRef idx="minor">
+                  <a:schemeClr val="tx1"/>
+                </a:fontRef>
+              </p:style>
+            </p:cxnSp>
+            <p:cxnSp>
+              <p:nvCxnSpPr>
+                <p:cNvPr id="33" name="Straight Connector 32"/>
+                <p:cNvCxnSpPr/>
+                <p:nvPr/>
+              </p:nvCxnSpPr>
+              <p:spPr>
+                <a:xfrm flipH="1">
+                  <a:off x="7938709" y="1674024"/>
+                  <a:ext cx="1343825" cy="6666"/>
+                </a:xfrm>
+                <a:prstGeom prst="line">
+                  <a:avLst/>
+                </a:prstGeom>
+                <a:ln w="19050">
+                  <a:solidFill>
+                    <a:schemeClr val="tx1"/>
+                  </a:solidFill>
+                </a:ln>
+              </p:spPr>
+              <p:style>
+                <a:lnRef idx="1">
+                  <a:schemeClr val="accent1"/>
+                </a:lnRef>
+                <a:fillRef idx="0">
+                  <a:schemeClr val="accent1"/>
+                </a:fillRef>
+                <a:effectRef idx="0">
+                  <a:schemeClr val="accent1"/>
+                </a:effectRef>
+                <a:fontRef idx="minor">
+                  <a:schemeClr val="tx1"/>
+                </a:fontRef>
+              </p:style>
+            </p:cxnSp>
+            <p:cxnSp>
+              <p:nvCxnSpPr>
+                <p:cNvPr id="34" name="Straight Connector 33"/>
+                <p:cNvCxnSpPr/>
+                <p:nvPr/>
+              </p:nvCxnSpPr>
+              <p:spPr>
+                <a:xfrm flipH="1">
+                  <a:off x="7944564" y="1826424"/>
+                  <a:ext cx="1343825" cy="6666"/>
+                </a:xfrm>
+                <a:prstGeom prst="line">
+                  <a:avLst/>
+                </a:prstGeom>
+                <a:ln w="19050">
+                  <a:solidFill>
+                    <a:schemeClr val="tx1"/>
+                  </a:solidFill>
+                </a:ln>
+              </p:spPr>
+              <p:style>
+                <a:lnRef idx="1">
+                  <a:schemeClr val="accent1"/>
+                </a:lnRef>
+                <a:fillRef idx="0">
+                  <a:schemeClr val="accent1"/>
+                </a:fillRef>
+                <a:effectRef idx="0">
+                  <a:schemeClr val="accent1"/>
+                </a:effectRef>
+                <a:fontRef idx="minor">
+                  <a:schemeClr val="tx1"/>
+                </a:fontRef>
+              </p:style>
+            </p:cxnSp>
+            <p:cxnSp>
+              <p:nvCxnSpPr>
+                <p:cNvPr id="35" name="Straight Connector 34"/>
+                <p:cNvCxnSpPr/>
+                <p:nvPr/>
+              </p:nvCxnSpPr>
+              <p:spPr>
+                <a:xfrm flipH="1">
+                  <a:off x="7938698" y="1984686"/>
+                  <a:ext cx="1343825" cy="6666"/>
+                </a:xfrm>
+                <a:prstGeom prst="line">
+                  <a:avLst/>
+                </a:prstGeom>
+                <a:ln w="19050">
+                  <a:solidFill>
+                    <a:schemeClr val="tx1"/>
+                  </a:solidFill>
+                </a:ln>
+              </p:spPr>
+              <p:style>
+                <a:lnRef idx="1">
+                  <a:schemeClr val="accent1"/>
+                </a:lnRef>
+                <a:fillRef idx="0">
+                  <a:schemeClr val="accent1"/>
+                </a:fillRef>
+                <a:effectRef idx="0">
+                  <a:schemeClr val="accent1"/>
+                </a:effectRef>
+                <a:fontRef idx="minor">
+                  <a:schemeClr val="tx1"/>
+                </a:fontRef>
+              </p:style>
+            </p:cxnSp>
+            <p:cxnSp>
+              <p:nvCxnSpPr>
+                <p:cNvPr id="36" name="Straight Connector 35"/>
+                <p:cNvCxnSpPr/>
+                <p:nvPr/>
+              </p:nvCxnSpPr>
+              <p:spPr>
+                <a:xfrm flipH="1">
+                  <a:off x="7932834" y="2137086"/>
+                  <a:ext cx="1343825" cy="6666"/>
+                </a:xfrm>
+                <a:prstGeom prst="line">
+                  <a:avLst/>
+                </a:prstGeom>
+                <a:ln w="19050">
+                  <a:solidFill>
+                    <a:schemeClr val="tx1"/>
+                  </a:solidFill>
+                </a:ln>
+              </p:spPr>
+              <p:style>
+                <a:lnRef idx="1">
+                  <a:schemeClr val="accent1"/>
+                </a:lnRef>
+                <a:fillRef idx="0">
+                  <a:schemeClr val="accent1"/>
+                </a:fillRef>
+                <a:effectRef idx="0">
+                  <a:schemeClr val="accent1"/>
+                </a:effectRef>
+                <a:fontRef idx="minor">
+                  <a:schemeClr val="tx1"/>
+                </a:fontRef>
+              </p:style>
+            </p:cxnSp>
+            <p:cxnSp>
+              <p:nvCxnSpPr>
+                <p:cNvPr id="37" name="Straight Connector 36"/>
+                <p:cNvCxnSpPr/>
+                <p:nvPr/>
+              </p:nvCxnSpPr>
+              <p:spPr>
+                <a:xfrm flipH="1">
+                  <a:off x="7944552" y="2289486"/>
+                  <a:ext cx="1343825" cy="6666"/>
+                </a:xfrm>
+                <a:prstGeom prst="line">
+                  <a:avLst/>
+                </a:prstGeom>
+                <a:ln w="19050">
+                  <a:solidFill>
+                    <a:schemeClr val="tx1"/>
+                  </a:solidFill>
+                </a:ln>
+              </p:spPr>
+              <p:style>
+                <a:lnRef idx="1">
+                  <a:schemeClr val="accent1"/>
+                </a:lnRef>
+                <a:fillRef idx="0">
+                  <a:schemeClr val="accent1"/>
+                </a:fillRef>
+                <a:effectRef idx="0">
+                  <a:schemeClr val="accent1"/>
+                </a:effectRef>
+                <a:fontRef idx="minor">
+                  <a:schemeClr val="tx1"/>
+                </a:fontRef>
+              </p:style>
+            </p:cxnSp>
+            <p:cxnSp>
+              <p:nvCxnSpPr>
+                <p:cNvPr id="43" name="Straight Connector 42"/>
+                <p:cNvCxnSpPr/>
+                <p:nvPr/>
+              </p:nvCxnSpPr>
+              <p:spPr>
+                <a:xfrm flipH="1">
+                  <a:off x="8651631" y="1221170"/>
+                  <a:ext cx="22542" cy="1234810"/>
+                </a:xfrm>
+                <a:prstGeom prst="line">
+                  <a:avLst/>
+                </a:prstGeom>
+                <a:ln w="19050">
+                  <a:solidFill>
+                    <a:schemeClr val="tx1"/>
+                  </a:solidFill>
+                </a:ln>
+              </p:spPr>
+              <p:style>
+                <a:lnRef idx="1">
+                  <a:schemeClr val="accent1"/>
+                </a:lnRef>
+                <a:fillRef idx="0">
+                  <a:schemeClr val="accent1"/>
+                </a:fillRef>
+                <a:effectRef idx="0">
+                  <a:schemeClr val="accent1"/>
+                </a:effectRef>
+                <a:fontRef idx="minor">
+                  <a:schemeClr val="tx1"/>
+                </a:fontRef>
+              </p:style>
+            </p:cxnSp>
+          </p:grpSp>
+          <p:sp>
+            <p:nvSpPr>
+              <p:cNvPr id="48" name="TextBox 47"/>
+              <p:cNvSpPr txBox="1"/>
+              <p:nvPr/>
+            </p:nvSpPr>
+            <p:spPr>
+              <a:xfrm>
+                <a:off x="8200292" y="983769"/>
+                <a:ext cx="804574" cy="246221"/>
+              </a:xfrm>
+              <a:prstGeom prst="rect">
+                <a:avLst/>
+              </a:prstGeom>
+              <a:noFill/>
+            </p:spPr>
+            <p:txBody>
+              <a:bodyPr wrap="square" rtlCol="0">
+                <a:spAutoFit/>
+              </a:bodyPr>
+              <a:lstStyle/>
+              <a:p>
+                <a:pPr algn="ctr"/>
+                <a:r>
+                  <a:rPr lang="pt-BR" sz="1000" dirty="0" smtClean="0"/>
+                  <a:t>Grid_size</a:t>
+                </a:r>
+                <a:endParaRPr lang="pt-BR" sz="1000" dirty="0" smtClean="0"/>
+              </a:p>
+            </p:txBody>
+          </p:sp>
+          <p:sp>
+            <p:nvSpPr>
+              <p:cNvPr id="49" name="TextBox 48"/>
+              <p:cNvSpPr txBox="1"/>
+              <p:nvPr/>
+            </p:nvSpPr>
+            <p:spPr>
+              <a:xfrm rot="5400000">
+                <a:off x="9015953" y="1703314"/>
+                <a:ext cx="804574" cy="246221"/>
+              </a:xfrm>
+              <a:prstGeom prst="rect">
+                <a:avLst/>
+              </a:prstGeom>
+              <a:noFill/>
+            </p:spPr>
+            <p:txBody>
+              <a:bodyPr wrap="square" rtlCol="0">
+                <a:spAutoFit/>
+              </a:bodyPr>
+              <a:lstStyle/>
+              <a:p>
+                <a:pPr algn="ctr"/>
+                <a:r>
+                  <a:rPr lang="pt-BR" sz="1000" dirty="0" smtClean="0"/>
+                  <a:t>Grid_size</a:t>
+                </a:r>
+                <a:endParaRPr lang="pt-BR" sz="1000" dirty="0" smtClean="0"/>
+              </a:p>
+            </p:txBody>
+          </p:sp>
+        </p:grpSp>
+      </p:grpSp>
+      <p:sp>
+        <p:nvSpPr>
+          <p:cNvPr id="50" name="TextBox 49"/>
+          <p:cNvSpPr txBox="1"/>
+          <p:nvPr/>
+        </p:nvSpPr>
+        <p:spPr>
+          <a:xfrm>
+            <a:off x="420695" y="2973620"/>
+            <a:ext cx="3243490" cy="954107"/>
+          </a:xfrm>
+          <a:prstGeom prst="rect">
+            <a:avLst/>
+          </a:prstGeom>
+          <a:noFill/>
+        </p:spPr>
+        <p:txBody>
+          <a:bodyPr wrap="square" rtlCol="0">
+            <a:spAutoFit/>
+          </a:bodyPr>
+          <a:lstStyle/>
+          <a:p>
+            <a:pPr algn="ctr"/>
+            <a:r>
+              <a:rPr lang="pt-BR" sz="1400" dirty="0"/>
+              <a:t>A imagem é redimensionada proporcionalmente para caber no tamanho da grade </a:t>
+            </a:r>
+            <a:r>
+              <a:rPr lang="pt-BR" sz="1400" dirty="0" smtClean="0"/>
+              <a:t>usando </a:t>
+            </a:r>
+            <a:r>
+              <a:rPr lang="pt-BR" sz="1400" dirty="0" smtClean="0"/>
+              <a:t>a biblioteca Pillow.</a:t>
+            </a:r>
+          </a:p>
+        </p:txBody>
+      </p:sp>
+      <p:grpSp>
+        <p:nvGrpSpPr>
+          <p:cNvPr id="87" name="Group 86"/>
+          <p:cNvGrpSpPr/>
+          <p:nvPr/>
+        </p:nvGrpSpPr>
+        <p:grpSpPr>
+          <a:xfrm>
+            <a:off x="579402" y="4752825"/>
+            <a:ext cx="4590398" cy="1680309"/>
+            <a:chOff x="429937" y="4216933"/>
+            <a:chExt cx="4590398" cy="1680309"/>
+          </a:xfrm>
+        </p:grpSpPr>
+        <p:grpSp>
+          <p:nvGrpSpPr>
+            <p:cNvPr id="85" name="Group 84"/>
+            <p:cNvGrpSpPr/>
+            <p:nvPr/>
+          </p:nvGrpSpPr>
+          <p:grpSpPr>
+            <a:xfrm>
+              <a:off x="429937" y="4216933"/>
+              <a:ext cx="4590398" cy="1680309"/>
+              <a:chOff x="429937" y="4216933"/>
+              <a:chExt cx="4590398" cy="1680309"/>
+            </a:xfrm>
+          </p:grpSpPr>
+          <p:sp>
+            <p:nvSpPr>
+              <p:cNvPr id="58" name="Rounded Rectangle 57"/>
+              <p:cNvSpPr/>
+              <p:nvPr/>
+            </p:nvSpPr>
+            <p:spPr>
+              <a:xfrm>
+                <a:off x="429937" y="4216933"/>
+                <a:ext cx="4590398" cy="1680309"/>
+              </a:xfrm>
+              <a:prstGeom prst="roundRect">
+                <a:avLst/>
+              </a:prstGeom>
+              <a:solidFill>
+                <a:srgbClr val="FFCCFF">
+                  <a:alpha val="37000"/>
+                </a:srgbClr>
+              </a:solidFill>
+              <a:ln>
+                <a:solidFill>
+                  <a:srgbClr val="FFCCFF"/>
+                </a:solidFill>
+              </a:ln>
+            </p:spPr>
+            <p:style>
+              <a:lnRef idx="2">
+                <a:schemeClr val="accent1">
+                  <a:shade val="50000"/>
+                </a:schemeClr>
+              </a:lnRef>
+              <a:fillRef idx="1">
+                <a:schemeClr val="accent1"/>
+              </a:fillRef>
+              <a:effectRef idx="0">
+                <a:schemeClr val="accent1"/>
+              </a:effectRef>
+              <a:fontRef idx="minor">
+                <a:schemeClr val="lt1"/>
+              </a:fontRef>
+            </p:style>
+            <p:txBody>
+              <a:bodyPr rtlCol="0" anchor="ctr"/>
+              <a:lstStyle/>
+              <a:p>
+                <a:pPr algn="ctr"/>
+                <a:endParaRPr lang="pt-BR" dirty="0"/>
+              </a:p>
+            </p:txBody>
+          </p:sp>
+          <p:sp>
+            <p:nvSpPr>
+              <p:cNvPr id="59" name="TextBox 58"/>
+              <p:cNvSpPr txBox="1"/>
+              <p:nvPr/>
+            </p:nvSpPr>
+            <p:spPr>
+              <a:xfrm>
+                <a:off x="716429" y="4363592"/>
+                <a:ext cx="2502864" cy="307777"/>
+              </a:xfrm>
+              <a:prstGeom prst="rect">
+                <a:avLst/>
+              </a:prstGeom>
+              <a:noFill/>
+            </p:spPr>
+            <p:txBody>
+              <a:bodyPr wrap="square" rtlCol="0">
+                <a:spAutoFit/>
+              </a:bodyPr>
+              <a:lstStyle/>
+              <a:p>
+                <a:pPr algn="ctr"/>
+                <a:r>
+                  <a:rPr lang="pt-BR" sz="1400" b="1" dirty="0" smtClean="0"/>
+                  <a:t>DESENHAR PIXEL A PIXEL</a:t>
+                </a:r>
+                <a:endParaRPr lang="pt-BR" sz="1400" b="1" dirty="0" smtClean="0"/>
+              </a:p>
+            </p:txBody>
+          </p:sp>
+          <p:sp>
+            <p:nvSpPr>
+              <p:cNvPr id="83" name="Rectangle 82"/>
+              <p:cNvSpPr/>
+              <p:nvPr/>
+            </p:nvSpPr>
+            <p:spPr>
+              <a:xfrm>
+                <a:off x="604186" y="4717265"/>
+                <a:ext cx="2680464" cy="938719"/>
+              </a:xfrm>
+              <a:prstGeom prst="rect">
+                <a:avLst/>
+              </a:prstGeom>
+            </p:spPr>
+            <p:txBody>
+              <a:bodyPr wrap="square">
+                <a:spAutoFit/>
+              </a:bodyPr>
+              <a:lstStyle/>
+              <a:p>
+                <a:pPr lvl="0" algn="ctr" eaLnBrk="0" fontAlgn="base" hangingPunct="0">
+                  <a:spcBef>
+                    <a:spcPct val="0"/>
+                  </a:spcBef>
+                  <a:spcAft>
+                    <a:spcPct val="0"/>
+                  </a:spcAft>
+                </a:pPr>
+                <a:r>
+                  <a:rPr lang="pt-BR" altLang="pt-BR" sz="1100" dirty="0">
+                    <a:latin typeface="Arial" panose="020B0604020202020204" pitchFamily="34" charset="0"/>
+                  </a:rPr>
+                  <a:t>Cada pixel da imagem é convertido em uma pequena célula </a:t>
+                </a:r>
+                <a:r>
+                  <a:rPr lang="pt-BR" altLang="pt-BR" sz="1100" dirty="0" smtClean="0">
+                    <a:latin typeface="Arial" panose="020B0604020202020204" pitchFamily="34" charset="0"/>
+                  </a:rPr>
+                  <a:t>colorida. A </a:t>
+                </a:r>
+                <a:r>
+                  <a:rPr lang="pt-BR" altLang="pt-BR" sz="1100" dirty="0">
+                    <a:latin typeface="Arial" panose="020B0604020202020204" pitchFamily="34" charset="0"/>
+                  </a:rPr>
+                  <a:t>biblioteca Turtle move a “tartaruga” para a posição correta e desenha um quadrado colorido.</a:t>
+                </a:r>
+              </a:p>
+            </p:txBody>
+          </p:sp>
+          <p:pic>
+            <p:nvPicPr>
+              <p:cNvPr id="84" name="Picture 83"/>
+              <p:cNvPicPr>
+                <a:picLocks noChangeAspect="1"/>
+              </p:cNvPicPr>
+              <p:nvPr/>
+            </p:nvPicPr>
+            <p:blipFill>
+              <a:blip r:embed="rId4" cstate="print">
+                <a:extLst>
+                  <a:ext uri="{28A0092B-C50C-407E-A947-70E740481C1C}">
+                    <a14:useLocalDpi xmlns:a14="http://schemas.microsoft.com/office/drawing/2010/main" val="0"/>
+                  </a:ext>
+                </a:extLst>
+              </a:blip>
+              <a:stretch>
+                <a:fillRect/>
+              </a:stretch>
+            </p:blipFill>
+            <p:spPr>
+              <a:xfrm>
+                <a:off x="3587156" y="4472050"/>
+                <a:ext cx="1138629" cy="1204245"/>
+              </a:xfrm>
+              <a:prstGeom prst="rect">
+                <a:avLst/>
+              </a:prstGeom>
+            </p:spPr>
+          </p:pic>
+        </p:grpSp>
+        <p:pic>
+          <p:nvPicPr>
+            <p:cNvPr id="86" name="Picture 85"/>
+            <p:cNvPicPr>
+              <a:picLocks noChangeAspect="1"/>
+            </p:cNvPicPr>
+            <p:nvPr/>
+          </p:nvPicPr>
+          <p:blipFill>
+            <a:blip r:embed="rId5" cstate="print">
+              <a:extLst>
+                <a:ext uri="{28A0092B-C50C-407E-A947-70E740481C1C}">
+                  <a14:useLocalDpi xmlns:a14="http://schemas.microsoft.com/office/drawing/2010/main" val="0"/>
+                </a:ext>
+              </a:extLst>
+            </a:blip>
+            <a:stretch>
+              <a:fillRect/>
+            </a:stretch>
+          </p:blipFill>
+          <p:spPr>
+            <a:xfrm flipH="1">
+              <a:off x="570850" y="4329030"/>
+              <a:ext cx="388235" cy="388235"/>
+            </a:xfrm>
+            <a:prstGeom prst="rect">
+              <a:avLst/>
+            </a:prstGeom>
+          </p:spPr>
+        </p:pic>
+      </p:grpSp>
+      <p:cxnSp>
+        <p:nvCxnSpPr>
+          <p:cNvPr id="116" name="Straight Arrow Connector 115"/>
+          <p:cNvCxnSpPr>
+            <a:stCxn id="18" idx="2"/>
+            <a:endCxn id="19" idx="0"/>
+          </p:cNvCxnSpPr>
+          <p:nvPr/>
+        </p:nvCxnSpPr>
+        <p:spPr>
+          <a:xfrm>
+            <a:off x="2848040" y="1932954"/>
+            <a:ext cx="12423" cy="582425"/>
+          </a:xfrm>
+          <a:prstGeom prst="straightConnector1">
+            <a:avLst/>
+          </a:prstGeom>
+          <a:ln w="38100">
+            <a:solidFill>
+              <a:srgbClr val="FFECFF"/>
+            </a:solidFill>
+            <a:tailEnd type="triangle"/>
+          </a:ln>
+        </p:spPr>
+        <p:style>
+          <a:lnRef idx="1">
+            <a:schemeClr val="accent1"/>
+          </a:lnRef>
+          <a:fillRef idx="0">
+            <a:schemeClr val="accent1"/>
+          </a:fillRef>
+          <a:effectRef idx="0">
+            <a:schemeClr val="accent1"/>
+          </a:effectRef>
+          <a:fontRef idx="minor">
+            <a:schemeClr val="tx1"/>
+          </a:fontRef>
+        </p:style>
+      </p:cxnSp>
+      <p:cxnSp>
+        <p:nvCxnSpPr>
+          <p:cNvPr id="117" name="Straight Arrow Connector 116"/>
+          <p:cNvCxnSpPr/>
+          <p:nvPr/>
+        </p:nvCxnSpPr>
+        <p:spPr>
+          <a:xfrm>
+            <a:off x="2781365" y="4152279"/>
+            <a:ext cx="12423" cy="582425"/>
+          </a:xfrm>
+          <a:prstGeom prst="straightConnector1">
+            <a:avLst/>
+          </a:prstGeom>
+          <a:ln w="38100">
+            <a:solidFill>
+              <a:srgbClr val="FFECFF"/>
+            </a:solidFill>
+            <a:tailEnd type="triangle"/>
+          </a:ln>
+        </p:spPr>
+        <p:style>
+          <a:lnRef idx="1">
+            <a:schemeClr val="accent1"/>
+          </a:lnRef>
+          <a:fillRef idx="0">
+            <a:schemeClr val="accent1"/>
+          </a:fillRef>
+          <a:effectRef idx="0">
+            <a:schemeClr val="accent1"/>
+          </a:effectRef>
+          <a:fontRef idx="minor">
+            <a:schemeClr val="tx1"/>
+          </a:fontRef>
+        </p:style>
+      </p:cxnSp>
+      <p:pic>
+        <p:nvPicPr>
+          <p:cNvPr id="54" name="Picture 53"/>
+          <p:cNvPicPr>
+            <a:picLocks noChangeAspect="1"/>
+          </p:cNvPicPr>
+          <p:nvPr/>
+        </p:nvPicPr>
+        <p:blipFill>
+          <a:blip r:embed="rId6"/>
+          <a:stretch>
+            <a:fillRect/>
+          </a:stretch>
+        </p:blipFill>
+        <p:spPr>
+          <a:xfrm>
+            <a:off x="7210519" y="2684080"/>
+            <a:ext cx="3627391" cy="3321226"/>
+          </a:xfrm>
+          <a:prstGeom prst="rect">
+            <a:avLst/>
+          </a:prstGeom>
+        </p:spPr>
+      </p:pic>
+      <p:grpSp>
+        <p:nvGrpSpPr>
+          <p:cNvPr id="55" name="Group 54"/>
+          <p:cNvGrpSpPr/>
+          <p:nvPr/>
+        </p:nvGrpSpPr>
+        <p:grpSpPr>
+          <a:xfrm>
+            <a:off x="6900748" y="964231"/>
+            <a:ext cx="1608516" cy="1472211"/>
+            <a:chOff x="7932834" y="983769"/>
+            <a:chExt cx="1608516" cy="1472211"/>
+          </a:xfrm>
+        </p:grpSpPr>
+        <p:grpSp>
+          <p:nvGrpSpPr>
+            <p:cNvPr id="56" name="Group 55"/>
+            <p:cNvGrpSpPr/>
+            <p:nvPr/>
+          </p:nvGrpSpPr>
+          <p:grpSpPr>
+            <a:xfrm>
+              <a:off x="7932834" y="1209437"/>
+              <a:ext cx="1355555" cy="1246543"/>
+              <a:chOff x="7932834" y="1209437"/>
+              <a:chExt cx="1355555" cy="1246543"/>
+            </a:xfrm>
+          </p:grpSpPr>
+          <p:pic>
+            <p:nvPicPr>
+              <p:cNvPr id="61" name="Picture 60"/>
+              <p:cNvPicPr>
+                <a:picLocks noChangeAspect="1"/>
+              </p:cNvPicPr>
+              <p:nvPr/>
+            </p:nvPicPr>
+            <p:blipFill>
+              <a:blip r:embed="rId3" cstate="print">
+                <a:extLst>
+                  <a:ext uri="{28A0092B-C50C-407E-A947-70E740481C1C}">
+                    <a14:useLocalDpi xmlns:a14="http://schemas.microsoft.com/office/drawing/2010/main" val="0"/>
+                  </a:ext>
+                </a:extLst>
+              </a:blip>
+              <a:stretch>
+                <a:fillRect/>
+              </a:stretch>
+            </p:blipFill>
+            <p:spPr>
+              <a:xfrm>
+                <a:off x="8052849" y="1292968"/>
+                <a:ext cx="1063751" cy="1103149"/>
+              </a:xfrm>
+              <a:prstGeom prst="rect">
+                <a:avLst/>
+              </a:prstGeom>
+            </p:spPr>
+          </p:pic>
+          <p:sp>
+            <p:nvSpPr>
+              <p:cNvPr id="62" name="Rectangle 61"/>
+              <p:cNvSpPr/>
+              <p:nvPr/>
+            </p:nvSpPr>
+            <p:spPr>
+              <a:xfrm>
+                <a:off x="7934036" y="1221252"/>
+                <a:ext cx="1348509" cy="1228872"/>
+              </a:xfrm>
+              <a:prstGeom prst="rect">
+                <a:avLst/>
+              </a:prstGeom>
+              <a:noFill/>
+              <a:ln w="19050">
+                <a:solidFill>
+                  <a:schemeClr val="tx1"/>
+                </a:solidFill>
+              </a:ln>
+            </p:spPr>
+            <p:style>
+              <a:lnRef idx="2">
+                <a:schemeClr val="accent1">
+                  <a:shade val="50000"/>
+                </a:schemeClr>
+              </a:lnRef>
+              <a:fillRef idx="1">
+                <a:schemeClr val="accent1"/>
+              </a:fillRef>
+              <a:effectRef idx="0">
+                <a:schemeClr val="accent1"/>
+              </a:effectRef>
+              <a:fontRef idx="minor">
+                <a:schemeClr val="lt1"/>
+              </a:fontRef>
+            </p:style>
+            <p:txBody>
+              <a:bodyPr rtlCol="0" anchor="ctr"/>
+              <a:lstStyle/>
+              <a:p>
+                <a:pPr algn="ctr"/>
+                <a:endParaRPr lang="pt-BR"/>
+              </a:p>
+            </p:txBody>
+          </p:sp>
+          <p:cxnSp>
+            <p:nvCxnSpPr>
+              <p:cNvPr id="63" name="Straight Connector 62"/>
+              <p:cNvCxnSpPr/>
+              <p:nvPr/>
+            </p:nvCxnSpPr>
+            <p:spPr>
+              <a:xfrm>
+                <a:off x="8052849" y="1215329"/>
+                <a:ext cx="0" cy="1234795"/>
+              </a:xfrm>
+              <a:prstGeom prst="line">
+                <a:avLst/>
+              </a:prstGeom>
+              <a:ln w="19050">
+                <a:solidFill>
+                  <a:schemeClr val="tx1"/>
+                </a:solidFill>
+              </a:ln>
+            </p:spPr>
+            <p:style>
+              <a:lnRef idx="1">
+                <a:schemeClr val="accent1"/>
+              </a:lnRef>
+              <a:fillRef idx="0">
+                <a:schemeClr val="accent1"/>
+              </a:fillRef>
+              <a:effectRef idx="0">
+                <a:schemeClr val="accent1"/>
+              </a:effectRef>
+              <a:fontRef idx="minor">
+                <a:schemeClr val="tx1"/>
+              </a:fontRef>
+            </p:style>
+          </p:cxnSp>
+          <p:cxnSp>
+            <p:nvCxnSpPr>
+              <p:cNvPr id="64" name="Straight Connector 63"/>
+              <p:cNvCxnSpPr/>
+              <p:nvPr/>
+            </p:nvCxnSpPr>
+            <p:spPr>
+              <a:xfrm flipH="1">
+                <a:off x="8200292" y="1227051"/>
+                <a:ext cx="4957" cy="1223073"/>
+              </a:xfrm>
+              <a:prstGeom prst="line">
+                <a:avLst/>
+              </a:prstGeom>
+              <a:ln w="19050">
+                <a:solidFill>
+                  <a:schemeClr val="tx1"/>
+                </a:solidFill>
+              </a:ln>
+            </p:spPr>
+            <p:style>
+              <a:lnRef idx="1">
+                <a:schemeClr val="accent1"/>
+              </a:lnRef>
+              <a:fillRef idx="0">
+                <a:schemeClr val="accent1"/>
+              </a:fillRef>
+              <a:effectRef idx="0">
+                <a:schemeClr val="accent1"/>
+              </a:effectRef>
+              <a:fontRef idx="minor">
+                <a:schemeClr val="tx1"/>
+              </a:fontRef>
+            </p:style>
+          </p:cxnSp>
+          <p:cxnSp>
+            <p:nvCxnSpPr>
+              <p:cNvPr id="65" name="Straight Connector 64"/>
+              <p:cNvCxnSpPr/>
+              <p:nvPr/>
+            </p:nvCxnSpPr>
+            <p:spPr>
+              <a:xfrm flipH="1">
+                <a:off x="8346831" y="1227045"/>
+                <a:ext cx="16680" cy="1223079"/>
+              </a:xfrm>
+              <a:prstGeom prst="line">
+                <a:avLst/>
+              </a:prstGeom>
+              <a:ln w="19050">
+                <a:solidFill>
+                  <a:schemeClr val="tx1"/>
+                </a:solidFill>
+              </a:ln>
+            </p:spPr>
+            <p:style>
+              <a:lnRef idx="1">
+                <a:schemeClr val="accent1"/>
+              </a:lnRef>
+              <a:fillRef idx="0">
+                <a:schemeClr val="accent1"/>
+              </a:fillRef>
+              <a:effectRef idx="0">
+                <a:schemeClr val="accent1"/>
+              </a:effectRef>
+              <a:fontRef idx="minor">
+                <a:schemeClr val="tx1"/>
+              </a:fontRef>
+            </p:style>
+          </p:cxnSp>
+          <p:cxnSp>
+            <p:nvCxnSpPr>
+              <p:cNvPr id="66" name="Straight Connector 65"/>
+              <p:cNvCxnSpPr/>
+              <p:nvPr/>
+            </p:nvCxnSpPr>
+            <p:spPr>
+              <a:xfrm flipH="1">
+                <a:off x="8499231" y="1215314"/>
+                <a:ext cx="22542" cy="1234810"/>
+              </a:xfrm>
+              <a:prstGeom prst="line">
+                <a:avLst/>
+              </a:prstGeom>
+              <a:ln w="19050">
+                <a:solidFill>
+                  <a:schemeClr val="tx1"/>
+                </a:solidFill>
+              </a:ln>
+            </p:spPr>
+            <p:style>
+              <a:lnRef idx="1">
+                <a:schemeClr val="accent1"/>
+              </a:lnRef>
+              <a:fillRef idx="0">
+                <a:schemeClr val="accent1"/>
+              </a:fillRef>
+              <a:effectRef idx="0">
+                <a:schemeClr val="accent1"/>
+              </a:effectRef>
+              <a:fontRef idx="minor">
+                <a:schemeClr val="tx1"/>
+              </a:fontRef>
+            </p:style>
+          </p:cxnSp>
+          <p:cxnSp>
+            <p:nvCxnSpPr>
+              <p:cNvPr id="67" name="Straight Connector 66"/>
+              <p:cNvCxnSpPr/>
+              <p:nvPr/>
+            </p:nvCxnSpPr>
+            <p:spPr>
+              <a:xfrm flipH="1">
+                <a:off x="8821615" y="1221165"/>
+                <a:ext cx="4958" cy="1228959"/>
+              </a:xfrm>
+              <a:prstGeom prst="line">
+                <a:avLst/>
+              </a:prstGeom>
+              <a:ln w="19050">
+                <a:solidFill>
+                  <a:schemeClr val="tx1"/>
+                </a:solidFill>
+              </a:ln>
+            </p:spPr>
+            <p:style>
+              <a:lnRef idx="1">
+                <a:schemeClr val="accent1"/>
+              </a:lnRef>
+              <a:fillRef idx="0">
+                <a:schemeClr val="accent1"/>
+              </a:fillRef>
+              <a:effectRef idx="0">
+                <a:schemeClr val="accent1"/>
+              </a:effectRef>
+              <a:fontRef idx="minor">
+                <a:schemeClr val="tx1"/>
+              </a:fontRef>
+            </p:style>
+          </p:cxnSp>
+          <p:cxnSp>
+            <p:nvCxnSpPr>
+              <p:cNvPr id="68" name="Straight Connector 67"/>
+              <p:cNvCxnSpPr/>
+              <p:nvPr/>
+            </p:nvCxnSpPr>
+            <p:spPr>
+              <a:xfrm flipH="1">
+                <a:off x="8962292" y="1209437"/>
+                <a:ext cx="16681" cy="1240687"/>
+              </a:xfrm>
+              <a:prstGeom prst="line">
+                <a:avLst/>
+              </a:prstGeom>
+              <a:ln w="19050">
+                <a:solidFill>
+                  <a:schemeClr val="tx1"/>
+                </a:solidFill>
+              </a:ln>
+            </p:spPr>
+            <p:style>
+              <a:lnRef idx="1">
+                <a:schemeClr val="accent1"/>
+              </a:lnRef>
+              <a:fillRef idx="0">
+                <a:schemeClr val="accent1"/>
+              </a:fillRef>
+              <a:effectRef idx="0">
+                <a:schemeClr val="accent1"/>
+              </a:effectRef>
+              <a:fontRef idx="minor">
+                <a:schemeClr val="tx1"/>
+              </a:fontRef>
+            </p:style>
+          </p:cxnSp>
+          <p:cxnSp>
+            <p:nvCxnSpPr>
+              <p:cNvPr id="69" name="Straight Connector 68"/>
+              <p:cNvCxnSpPr/>
+              <p:nvPr/>
+            </p:nvCxnSpPr>
+            <p:spPr>
+              <a:xfrm flipH="1">
+                <a:off x="9116600" y="1227018"/>
+                <a:ext cx="14773" cy="1223106"/>
+              </a:xfrm>
+              <a:prstGeom prst="line">
+                <a:avLst/>
+              </a:prstGeom>
+              <a:ln w="19050">
+                <a:solidFill>
+                  <a:schemeClr val="tx1"/>
+                </a:solidFill>
+              </a:ln>
+            </p:spPr>
+            <p:style>
+              <a:lnRef idx="1">
+                <a:schemeClr val="accent1"/>
+              </a:lnRef>
+              <a:fillRef idx="0">
+                <a:schemeClr val="accent1"/>
+              </a:fillRef>
+              <a:effectRef idx="0">
+                <a:schemeClr val="accent1"/>
+              </a:effectRef>
+              <a:fontRef idx="minor">
+                <a:schemeClr val="tx1"/>
+              </a:fontRef>
+            </p:style>
+          </p:cxnSp>
+          <p:cxnSp>
+            <p:nvCxnSpPr>
+              <p:cNvPr id="70" name="Straight Connector 69"/>
+              <p:cNvCxnSpPr/>
+              <p:nvPr/>
+            </p:nvCxnSpPr>
+            <p:spPr>
+              <a:xfrm flipH="1">
+                <a:off x="7938720" y="1363362"/>
+                <a:ext cx="1343825" cy="6666"/>
+              </a:xfrm>
+              <a:prstGeom prst="line">
+                <a:avLst/>
+              </a:prstGeom>
+              <a:ln w="19050">
+                <a:solidFill>
+                  <a:schemeClr val="tx1"/>
+                </a:solidFill>
+              </a:ln>
+            </p:spPr>
+            <p:style>
+              <a:lnRef idx="1">
+                <a:schemeClr val="accent1"/>
+              </a:lnRef>
+              <a:fillRef idx="0">
+                <a:schemeClr val="accent1"/>
+              </a:fillRef>
+              <a:effectRef idx="0">
+                <a:schemeClr val="accent1"/>
+              </a:effectRef>
+              <a:fontRef idx="minor">
+                <a:schemeClr val="tx1"/>
+              </a:fontRef>
+            </p:style>
+          </p:cxnSp>
+          <p:cxnSp>
+            <p:nvCxnSpPr>
+              <p:cNvPr id="71" name="Straight Connector 70"/>
+              <p:cNvCxnSpPr/>
+              <p:nvPr/>
+            </p:nvCxnSpPr>
+            <p:spPr>
+              <a:xfrm flipH="1">
+                <a:off x="7938715" y="1515762"/>
+                <a:ext cx="1343825" cy="6666"/>
+              </a:xfrm>
+              <a:prstGeom prst="line">
+                <a:avLst/>
+              </a:prstGeom>
+              <a:ln w="19050">
+                <a:solidFill>
+                  <a:schemeClr val="tx1"/>
+                </a:solidFill>
+              </a:ln>
+            </p:spPr>
+            <p:style>
+              <a:lnRef idx="1">
+                <a:schemeClr val="accent1"/>
+              </a:lnRef>
+              <a:fillRef idx="0">
+                <a:schemeClr val="accent1"/>
+              </a:fillRef>
+              <a:effectRef idx="0">
+                <a:schemeClr val="accent1"/>
+              </a:effectRef>
+              <a:fontRef idx="minor">
+                <a:schemeClr val="tx1"/>
+              </a:fontRef>
+            </p:style>
+          </p:cxnSp>
+          <p:cxnSp>
+            <p:nvCxnSpPr>
+              <p:cNvPr id="72" name="Straight Connector 71"/>
+              <p:cNvCxnSpPr/>
+              <p:nvPr/>
+            </p:nvCxnSpPr>
+            <p:spPr>
+              <a:xfrm flipH="1">
+                <a:off x="7938709" y="1674024"/>
+                <a:ext cx="1343825" cy="6666"/>
+              </a:xfrm>
+              <a:prstGeom prst="line">
+                <a:avLst/>
+              </a:prstGeom>
+              <a:ln w="19050">
+                <a:solidFill>
+                  <a:schemeClr val="tx1"/>
+                </a:solidFill>
+              </a:ln>
+            </p:spPr>
+            <p:style>
+              <a:lnRef idx="1">
+                <a:schemeClr val="accent1"/>
+              </a:lnRef>
+              <a:fillRef idx="0">
+                <a:schemeClr val="accent1"/>
+              </a:fillRef>
+              <a:effectRef idx="0">
+                <a:schemeClr val="accent1"/>
+              </a:effectRef>
+              <a:fontRef idx="minor">
+                <a:schemeClr val="tx1"/>
+              </a:fontRef>
+            </p:style>
+          </p:cxnSp>
+          <p:cxnSp>
+            <p:nvCxnSpPr>
+              <p:cNvPr id="73" name="Straight Connector 72"/>
+              <p:cNvCxnSpPr/>
+              <p:nvPr/>
+            </p:nvCxnSpPr>
+            <p:spPr>
+              <a:xfrm flipH="1">
+                <a:off x="7944564" y="1826424"/>
+                <a:ext cx="1343825" cy="6666"/>
+              </a:xfrm>
+              <a:prstGeom prst="line">
+                <a:avLst/>
+              </a:prstGeom>
+              <a:ln w="19050">
+                <a:solidFill>
+                  <a:schemeClr val="tx1"/>
+                </a:solidFill>
+              </a:ln>
+            </p:spPr>
+            <p:style>
+              <a:lnRef idx="1">
+                <a:schemeClr val="accent1"/>
+              </a:lnRef>
+              <a:fillRef idx="0">
+                <a:schemeClr val="accent1"/>
+              </a:fillRef>
+              <a:effectRef idx="0">
+                <a:schemeClr val="accent1"/>
+              </a:effectRef>
+              <a:fontRef idx="minor">
+                <a:schemeClr val="tx1"/>
+              </a:fontRef>
+            </p:style>
+          </p:cxnSp>
+          <p:cxnSp>
+            <p:nvCxnSpPr>
+              <p:cNvPr id="74" name="Straight Connector 73"/>
+              <p:cNvCxnSpPr/>
+              <p:nvPr/>
+            </p:nvCxnSpPr>
+            <p:spPr>
+              <a:xfrm flipH="1">
+                <a:off x="7938698" y="1984686"/>
+                <a:ext cx="1343825" cy="6666"/>
+              </a:xfrm>
+              <a:prstGeom prst="line">
+                <a:avLst/>
+              </a:prstGeom>
+              <a:ln w="19050">
+                <a:solidFill>
+                  <a:schemeClr val="tx1"/>
+                </a:solidFill>
+              </a:ln>
+            </p:spPr>
+            <p:style>
+              <a:lnRef idx="1">
+                <a:schemeClr val="accent1"/>
+              </a:lnRef>
+              <a:fillRef idx="0">
+                <a:schemeClr val="accent1"/>
+              </a:fillRef>
+              <a:effectRef idx="0">
+                <a:schemeClr val="accent1"/>
+              </a:effectRef>
+              <a:fontRef idx="minor">
+                <a:schemeClr val="tx1"/>
+              </a:fontRef>
+            </p:style>
+          </p:cxnSp>
+          <p:cxnSp>
+            <p:nvCxnSpPr>
+              <p:cNvPr id="75" name="Straight Connector 74"/>
+              <p:cNvCxnSpPr/>
+              <p:nvPr/>
+            </p:nvCxnSpPr>
+            <p:spPr>
+              <a:xfrm flipH="1">
+                <a:off x="7932834" y="2137086"/>
+                <a:ext cx="1343825" cy="6666"/>
+              </a:xfrm>
+              <a:prstGeom prst="line">
+                <a:avLst/>
+              </a:prstGeom>
+              <a:ln w="19050">
+                <a:solidFill>
+                  <a:schemeClr val="tx1"/>
+                </a:solidFill>
+              </a:ln>
+            </p:spPr>
+            <p:style>
+              <a:lnRef idx="1">
+                <a:schemeClr val="accent1"/>
+              </a:lnRef>
+              <a:fillRef idx="0">
+                <a:schemeClr val="accent1"/>
+              </a:fillRef>
+              <a:effectRef idx="0">
+                <a:schemeClr val="accent1"/>
+              </a:effectRef>
+              <a:fontRef idx="minor">
+                <a:schemeClr val="tx1"/>
+              </a:fontRef>
+            </p:style>
+          </p:cxnSp>
+          <p:cxnSp>
+            <p:nvCxnSpPr>
+              <p:cNvPr id="76" name="Straight Connector 75"/>
+              <p:cNvCxnSpPr/>
+              <p:nvPr/>
+            </p:nvCxnSpPr>
+            <p:spPr>
+              <a:xfrm flipH="1">
+                <a:off x="7944552" y="2289486"/>
+                <a:ext cx="1343825" cy="6666"/>
+              </a:xfrm>
+              <a:prstGeom prst="line">
+                <a:avLst/>
+              </a:prstGeom>
+              <a:ln w="19050">
+                <a:solidFill>
+                  <a:schemeClr val="tx1"/>
+                </a:solidFill>
+              </a:ln>
+            </p:spPr>
+            <p:style>
+              <a:lnRef idx="1">
+                <a:schemeClr val="accent1"/>
+              </a:lnRef>
+              <a:fillRef idx="0">
+                <a:schemeClr val="accent1"/>
+              </a:fillRef>
+              <a:effectRef idx="0">
+                <a:schemeClr val="accent1"/>
+              </a:effectRef>
+              <a:fontRef idx="minor">
+                <a:schemeClr val="tx1"/>
+              </a:fontRef>
+            </p:style>
+          </p:cxnSp>
+          <p:cxnSp>
+            <p:nvCxnSpPr>
+              <p:cNvPr id="77" name="Straight Connector 76"/>
+              <p:cNvCxnSpPr/>
+              <p:nvPr/>
+            </p:nvCxnSpPr>
+            <p:spPr>
+              <a:xfrm flipH="1">
+                <a:off x="8651631" y="1221170"/>
+                <a:ext cx="22542" cy="1234810"/>
+              </a:xfrm>
+              <a:prstGeom prst="line">
+                <a:avLst/>
+              </a:prstGeom>
+              <a:ln w="19050">
+                <a:solidFill>
+                  <a:schemeClr val="tx1"/>
+                </a:solidFill>
+              </a:ln>
+            </p:spPr>
+            <p:style>
+              <a:lnRef idx="1">
+                <a:schemeClr val="accent1"/>
+              </a:lnRef>
+              <a:fillRef idx="0">
+                <a:schemeClr val="accent1"/>
+              </a:fillRef>
+              <a:effectRef idx="0">
+                <a:schemeClr val="accent1"/>
+              </a:effectRef>
+              <a:fontRef idx="minor">
+                <a:schemeClr val="tx1"/>
+              </a:fontRef>
+            </p:style>
+          </p:cxnSp>
+        </p:grpSp>
+        <p:sp>
+          <p:nvSpPr>
+            <p:cNvPr id="57" name="TextBox 56"/>
+            <p:cNvSpPr txBox="1"/>
+            <p:nvPr/>
+          </p:nvSpPr>
+          <p:spPr>
+            <a:xfrm>
+              <a:off x="8200292" y="983769"/>
+              <a:ext cx="804574" cy="246221"/>
+            </a:xfrm>
+            <a:prstGeom prst="rect">
+              <a:avLst/>
+            </a:prstGeom>
+            <a:noFill/>
+          </p:spPr>
+          <p:txBody>
+            <a:bodyPr wrap="square" rtlCol="0">
+              <a:spAutoFit/>
+            </a:bodyPr>
+            <a:lstStyle/>
+            <a:p>
+              <a:pPr algn="ctr"/>
+              <a:r>
+                <a:rPr lang="pt-BR" sz="1000" dirty="0" smtClean="0"/>
+                <a:t>Grid_size</a:t>
+              </a:r>
+              <a:endParaRPr lang="pt-BR" sz="1000" dirty="0" smtClean="0"/>
+            </a:p>
+          </p:txBody>
+        </p:sp>
+        <p:sp>
+          <p:nvSpPr>
+            <p:cNvPr id="60" name="TextBox 59"/>
+            <p:cNvSpPr txBox="1"/>
+            <p:nvPr/>
+          </p:nvSpPr>
+          <p:spPr>
+            <a:xfrm rot="5400000">
+              <a:off x="9015953" y="1703314"/>
+              <a:ext cx="804574" cy="246221"/>
+            </a:xfrm>
+            <a:prstGeom prst="rect">
+              <a:avLst/>
+            </a:prstGeom>
+            <a:noFill/>
+          </p:spPr>
+          <p:txBody>
+            <a:bodyPr wrap="square" rtlCol="0">
+              <a:spAutoFit/>
+            </a:bodyPr>
+            <a:lstStyle/>
+            <a:p>
+              <a:pPr algn="ctr"/>
+              <a:r>
+                <a:rPr lang="pt-BR" sz="1000" dirty="0" smtClean="0"/>
+                <a:t>Grid_size</a:t>
+              </a:r>
+              <a:endParaRPr lang="pt-BR" sz="1000" dirty="0" smtClean="0"/>
+            </a:p>
+          </p:txBody>
+        </p:sp>
+      </p:grpSp>
+      <p:pic>
+        <p:nvPicPr>
+          <p:cNvPr id="78" name="Picture 77"/>
+          <p:cNvPicPr>
+            <a:picLocks noChangeAspect="1"/>
+          </p:cNvPicPr>
+          <p:nvPr/>
+        </p:nvPicPr>
+        <p:blipFill>
+          <a:blip r:embed="rId4" cstate="print">
+            <a:extLst>
+              <a:ext uri="{28A0092B-C50C-407E-A947-70E740481C1C}">
+                <a14:useLocalDpi xmlns:a14="http://schemas.microsoft.com/office/drawing/2010/main" val="0"/>
+              </a:ext>
+            </a:extLst>
+          </a:blip>
+          <a:stretch>
+            <a:fillRect/>
+          </a:stretch>
+        </p:blipFill>
+        <p:spPr>
+          <a:xfrm>
+            <a:off x="9802824" y="1142896"/>
+            <a:ext cx="1138629" cy="1204245"/>
+          </a:xfrm>
+          <a:prstGeom prst="rect">
+            <a:avLst/>
+          </a:prstGeom>
+        </p:spPr>
+      </p:pic>
+      <p:sp>
+        <p:nvSpPr>
+          <p:cNvPr id="3" name="Left Brace 2"/>
+          <p:cNvSpPr/>
+          <p:nvPr/>
+        </p:nvSpPr>
+        <p:spPr>
+          <a:xfrm>
+            <a:off x="6134100" y="907225"/>
+            <a:ext cx="778366" cy="5098081"/>
+          </a:xfrm>
+          <a:prstGeom prst="leftBrace">
+            <a:avLst/>
+          </a:prstGeom>
+          <a:ln w="28575">
+            <a:solidFill>
+              <a:srgbClr val="FFECFF"/>
+            </a:solidFill>
+          </a:ln>
+        </p:spPr>
+        <p:style>
+          <a:lnRef idx="1">
+            <a:schemeClr val="accent1"/>
+          </a:lnRef>
+          <a:fillRef idx="0">
+            <a:schemeClr val="accent1"/>
+          </a:fillRef>
+          <a:effectRef idx="0">
+            <a:schemeClr val="accent1"/>
+          </a:effectRef>
+          <a:fontRef idx="minor">
+            <a:schemeClr val="tx1"/>
+          </a:fontRef>
+        </p:style>
+        <p:txBody>
+          <a:bodyPr rtlCol="0" anchor="ctr"/>
+          <a:lstStyle/>
+          <a:p>
+            <a:pPr algn="ctr"/>
+            <a:endParaRPr lang="pt-BR"/>
+          </a:p>
+        </p:txBody>
+      </p:sp>
+      <p:cxnSp>
+        <p:nvCxnSpPr>
+          <p:cNvPr id="7" name="Elbow Connector 6"/>
+          <p:cNvCxnSpPr>
+            <a:stCxn id="58" idx="3"/>
+            <a:endCxn id="3" idx="1"/>
+          </p:cNvCxnSpPr>
+          <p:nvPr/>
+        </p:nvCxnSpPr>
+        <p:spPr>
+          <a:xfrm flipV="1">
+            <a:off x="5169800" y="3456266"/>
+            <a:ext cx="964300" cy="2136714"/>
+          </a:xfrm>
+          <a:prstGeom prst="bentConnector3">
+            <a:avLst/>
+          </a:prstGeom>
+          <a:ln w="28575">
+            <a:solidFill>
+              <a:srgbClr val="FFECFF"/>
+            </a:solidFill>
+            <a:tailEnd type="triangle"/>
+          </a:ln>
+        </p:spPr>
+        <p:style>
+          <a:lnRef idx="1">
+            <a:schemeClr val="accent1"/>
+          </a:lnRef>
+          <a:fillRef idx="0">
+            <a:schemeClr val="accent1"/>
+          </a:fillRef>
+          <a:effectRef idx="0">
+            <a:schemeClr val="accent1"/>
+          </a:effectRef>
+          <a:fontRef idx="minor">
+            <a:schemeClr val="tx1"/>
+          </a:fontRef>
+        </p:style>
+      </p:cxnSp>
     </p:spTree>
     <p:extLst>
       <p:ext uri="{BB962C8B-B14F-4D97-AF65-F5344CB8AC3E}">
-        <p14:creationId xmlns:p14="http://schemas.microsoft.com/office/powerpoint/2010/main" val="1399623777"/>
+        <p14:creationId xmlns:p14="http://schemas.microsoft.com/office/powerpoint/2010/main" val="1029736273"/>
       </p:ext>
     </p:extLst>
   </p:cSld>
@@ -4662,6 +6767,366 @@
                 </a:solidFill>
               </a:rPr>
               <a:t>11</a:t>
+            </a:fld>
+            <a:endParaRPr lang="pt-BR" dirty="0">
+              <a:solidFill>
+                <a:srgbClr val="EF3E58"/>
+              </a:solidFill>
+            </a:endParaRPr>
+          </a:p>
+        </p:txBody>
+      </p:sp>
+      <p:grpSp>
+        <p:nvGrpSpPr>
+          <p:cNvPr id="10" name="Group 9"/>
+          <p:cNvGrpSpPr/>
+          <p:nvPr/>
+        </p:nvGrpSpPr>
+        <p:grpSpPr>
+          <a:xfrm>
+            <a:off x="120770" y="86264"/>
+            <a:ext cx="11895826" cy="6573329"/>
+            <a:chOff x="120770" y="86264"/>
+            <a:chExt cx="11895826" cy="6573329"/>
+          </a:xfrm>
+        </p:grpSpPr>
+        <p:sp>
+          <p:nvSpPr>
+            <p:cNvPr id="11" name="Rectangle 10"/>
+            <p:cNvSpPr/>
+            <p:nvPr/>
+          </p:nvSpPr>
+          <p:spPr>
+            <a:xfrm>
+              <a:off x="120770" y="86264"/>
+              <a:ext cx="11895826" cy="6573329"/>
+            </a:xfrm>
+            <a:prstGeom prst="rect">
+              <a:avLst/>
+            </a:prstGeom>
+            <a:noFill/>
+            <a:ln w="19050">
+              <a:solidFill>
+                <a:srgbClr val="EF3E58"/>
+              </a:solidFill>
+            </a:ln>
+          </p:spPr>
+          <p:style>
+            <a:lnRef idx="2">
+              <a:schemeClr val="accent1">
+                <a:shade val="50000"/>
+              </a:schemeClr>
+            </a:lnRef>
+            <a:fillRef idx="1">
+              <a:schemeClr val="accent1"/>
+            </a:fillRef>
+            <a:effectRef idx="0">
+              <a:schemeClr val="accent1"/>
+            </a:effectRef>
+            <a:fontRef idx="minor">
+              <a:schemeClr val="lt1"/>
+            </a:fontRef>
+          </p:style>
+          <p:txBody>
+            <a:bodyPr rtlCol="0" anchor="ctr"/>
+            <a:lstStyle/>
+            <a:p>
+              <a:pPr algn="ctr"/>
+              <a:endParaRPr lang="pt-BR"/>
+            </a:p>
+          </p:txBody>
+        </p:sp>
+        <p:cxnSp>
+          <p:nvCxnSpPr>
+            <p:cNvPr id="12" name="Straight Connector 11"/>
+            <p:cNvCxnSpPr/>
+            <p:nvPr/>
+          </p:nvCxnSpPr>
+          <p:spPr>
+            <a:xfrm>
+              <a:off x="120770" y="424066"/>
+              <a:ext cx="11895826" cy="0"/>
+            </a:xfrm>
+            <a:prstGeom prst="line">
+              <a:avLst/>
+            </a:prstGeom>
+            <a:ln w="19050">
+              <a:solidFill>
+                <a:srgbClr val="EF3E58"/>
+              </a:solidFill>
+            </a:ln>
+          </p:spPr>
+          <p:style>
+            <a:lnRef idx="1">
+              <a:schemeClr val="accent1"/>
+            </a:lnRef>
+            <a:fillRef idx="0">
+              <a:schemeClr val="accent1"/>
+            </a:fillRef>
+            <a:effectRef idx="0">
+              <a:schemeClr val="accent1"/>
+            </a:effectRef>
+            <a:fontRef idx="minor">
+              <a:schemeClr val="tx1"/>
+            </a:fontRef>
+          </p:style>
+        </p:cxnSp>
+        <p:grpSp>
+          <p:nvGrpSpPr>
+            <p:cNvPr id="13" name="Group 12"/>
+            <p:cNvGrpSpPr/>
+            <p:nvPr/>
+          </p:nvGrpSpPr>
+          <p:grpSpPr>
+            <a:xfrm>
+              <a:off x="266318" y="155961"/>
+              <a:ext cx="675736" cy="155276"/>
+              <a:chOff x="2104845" y="1173192"/>
+              <a:chExt cx="675736" cy="155276"/>
+            </a:xfrm>
+          </p:grpSpPr>
+          <p:sp>
+            <p:nvSpPr>
+              <p:cNvPr id="14" name="Oval 13"/>
+              <p:cNvSpPr/>
+              <p:nvPr/>
+            </p:nvSpPr>
+            <p:spPr>
+              <a:xfrm>
+                <a:off x="2104845" y="1173192"/>
+                <a:ext cx="163902" cy="155276"/>
+              </a:xfrm>
+              <a:prstGeom prst="ellipse">
+                <a:avLst/>
+              </a:prstGeom>
+              <a:solidFill>
+                <a:srgbClr val="FFFAEC"/>
+              </a:solidFill>
+              <a:ln>
+                <a:solidFill>
+                  <a:srgbClr val="FFFAEC"/>
+                </a:solidFill>
+              </a:ln>
+            </p:spPr>
+            <p:style>
+              <a:lnRef idx="2">
+                <a:schemeClr val="accent1">
+                  <a:shade val="50000"/>
+                </a:schemeClr>
+              </a:lnRef>
+              <a:fillRef idx="1">
+                <a:schemeClr val="accent1"/>
+              </a:fillRef>
+              <a:effectRef idx="0">
+                <a:schemeClr val="accent1"/>
+              </a:effectRef>
+              <a:fontRef idx="minor">
+                <a:schemeClr val="lt1"/>
+              </a:fontRef>
+            </p:style>
+            <p:txBody>
+              <a:bodyPr rtlCol="0" anchor="ctr"/>
+              <a:lstStyle/>
+              <a:p>
+                <a:pPr algn="ctr"/>
+                <a:endParaRPr lang="pt-BR"/>
+              </a:p>
+            </p:txBody>
+          </p:sp>
+          <p:sp>
+            <p:nvSpPr>
+              <p:cNvPr id="15" name="Oval 14"/>
+              <p:cNvSpPr/>
+              <p:nvPr/>
+            </p:nvSpPr>
+            <p:spPr>
+              <a:xfrm>
+                <a:off x="2360762" y="1173192"/>
+                <a:ext cx="163902" cy="155276"/>
+              </a:xfrm>
+              <a:prstGeom prst="ellipse">
+                <a:avLst/>
+              </a:prstGeom>
+              <a:solidFill>
+                <a:srgbClr val="FFECFF"/>
+              </a:solidFill>
+              <a:ln>
+                <a:solidFill>
+                  <a:srgbClr val="FFECFF"/>
+                </a:solidFill>
+              </a:ln>
+            </p:spPr>
+            <p:style>
+              <a:lnRef idx="2">
+                <a:schemeClr val="accent1">
+                  <a:shade val="50000"/>
+                </a:schemeClr>
+              </a:lnRef>
+              <a:fillRef idx="1">
+                <a:schemeClr val="accent1"/>
+              </a:fillRef>
+              <a:effectRef idx="0">
+                <a:schemeClr val="accent1"/>
+              </a:effectRef>
+              <a:fontRef idx="minor">
+                <a:schemeClr val="lt1"/>
+              </a:fontRef>
+            </p:style>
+            <p:txBody>
+              <a:bodyPr rtlCol="0" anchor="ctr"/>
+              <a:lstStyle/>
+              <a:p>
+                <a:pPr algn="ctr"/>
+                <a:endParaRPr lang="pt-BR"/>
+              </a:p>
+            </p:txBody>
+          </p:sp>
+          <p:sp>
+            <p:nvSpPr>
+              <p:cNvPr id="16" name="Oval 15"/>
+              <p:cNvSpPr/>
+              <p:nvPr/>
+            </p:nvSpPr>
+            <p:spPr>
+              <a:xfrm>
+                <a:off x="2616679" y="1173192"/>
+                <a:ext cx="163902" cy="155276"/>
+              </a:xfrm>
+              <a:prstGeom prst="ellipse">
+                <a:avLst/>
+              </a:prstGeom>
+              <a:solidFill>
+                <a:srgbClr val="67F2F2">
+                  <a:alpha val="50000"/>
+                </a:srgbClr>
+              </a:solidFill>
+              <a:ln>
+                <a:solidFill>
+                  <a:srgbClr val="67F2F2"/>
+                </a:solidFill>
+              </a:ln>
+            </p:spPr>
+            <p:style>
+              <a:lnRef idx="2">
+                <a:schemeClr val="accent1">
+                  <a:shade val="50000"/>
+                </a:schemeClr>
+              </a:lnRef>
+              <a:fillRef idx="1">
+                <a:schemeClr val="accent1"/>
+              </a:fillRef>
+              <a:effectRef idx="0">
+                <a:schemeClr val="accent1"/>
+              </a:effectRef>
+              <a:fontRef idx="minor">
+                <a:schemeClr val="lt1"/>
+              </a:fontRef>
+            </p:style>
+            <p:txBody>
+              <a:bodyPr rtlCol="0" anchor="ctr"/>
+              <a:lstStyle/>
+              <a:p>
+                <a:pPr algn="ctr"/>
+                <a:endParaRPr lang="pt-BR"/>
+              </a:p>
+            </p:txBody>
+          </p:sp>
+        </p:grpSp>
+      </p:grpSp>
+      <p:pic>
+        <p:nvPicPr>
+          <p:cNvPr id="17" name="Picture 16"/>
+          <p:cNvPicPr>
+            <a:picLocks noChangeAspect="1"/>
+          </p:cNvPicPr>
+          <p:nvPr/>
+        </p:nvPicPr>
+        <p:blipFill>
+          <a:blip r:embed="rId2" cstate="print">
+            <a:extLst>
+              <a:ext uri="{28A0092B-C50C-407E-A947-70E740481C1C}">
+                <a14:useLocalDpi xmlns:a14="http://schemas.microsoft.com/office/drawing/2010/main" val="0"/>
+              </a:ext>
+            </a:extLst>
+          </a:blip>
+          <a:stretch>
+            <a:fillRect/>
+          </a:stretch>
+        </p:blipFill>
+        <p:spPr>
+          <a:xfrm>
+            <a:off x="10858475" y="127894"/>
+            <a:ext cx="498672" cy="258312"/>
+          </a:xfrm>
+          <a:prstGeom prst="rect">
+            <a:avLst/>
+          </a:prstGeom>
+        </p:spPr>
+      </p:pic>
+    </p:spTree>
+    <p:extLst>
+      <p:ext uri="{BB962C8B-B14F-4D97-AF65-F5344CB8AC3E}">
+        <p14:creationId xmlns:p14="http://schemas.microsoft.com/office/powerpoint/2010/main" val="1399623777"/>
+      </p:ext>
+    </p:extLst>
+  </p:cSld>
+  <p:clrMapOvr>
+    <a:masterClrMapping/>
+  </p:clrMapOvr>
+  <p:timing>
+    <p:tnLst>
+      <p:par>
+        <p:cTn id="1" dur="indefinite" restart="never" nodeType="tmRoot"/>
+      </p:par>
+    </p:tnLst>
+  </p:timing>
+</p:sld>
+</file>
+
+<file path=ppt/slides/slide12.xml><?xml version="1.0" encoding="utf-8"?>
+<p:sld xmlns:a="http://schemas.openxmlformats.org/drawingml/2006/main" xmlns:r="http://schemas.openxmlformats.org/officeDocument/2006/relationships" xmlns:p="http://schemas.openxmlformats.org/presentationml/2006/main">
+  <p:cSld>
+    <p:spTree>
+      <p:nvGrpSpPr>
+        <p:cNvPr id="1" name=""/>
+        <p:cNvGrpSpPr/>
+        <p:nvPr/>
+      </p:nvGrpSpPr>
+      <p:grpSpPr>
+        <a:xfrm>
+          <a:off x="0" y="0"/>
+          <a:ext cx="0" cy="0"/>
+          <a:chOff x="0" y="0"/>
+          <a:chExt cx="0" cy="0"/>
+        </a:xfrm>
+      </p:grpSpPr>
+      <p:sp>
+        <p:nvSpPr>
+          <p:cNvPr id="9" name="Slide Number Placeholder 8"/>
+          <p:cNvSpPr>
+            <a:spLocks noGrp="1"/>
+          </p:cNvSpPr>
+          <p:nvPr>
+            <p:ph type="sldNum" sz="quarter" idx="12"/>
+          </p:nvPr>
+        </p:nvSpPr>
+        <p:spPr>
+          <a:xfrm>
+            <a:off x="11517086" y="74487"/>
+            <a:ext cx="398979" cy="365125"/>
+          </a:xfrm>
+        </p:spPr>
+        <p:txBody>
+          <a:bodyPr/>
+          <a:lstStyle/>
+          <a:p>
+            <a:fld id="{CC0DFF91-5045-4B79-8625-7B2EAF077CB3}" type="slidenum">
+              <a:rPr lang="pt-BR" smtClean="0">
+                <a:solidFill>
+                  <a:srgbClr val="EF3E58"/>
+                </a:solidFill>
+              </a:rPr>
+              <a:t>12</a:t>
             </a:fld>
             <a:endParaRPr lang="pt-BR" dirty="0">
               <a:solidFill>
@@ -4978,7 +7443,7 @@
 </p:sld>
 </file>
 
-<file path=ppt/slides/slide12.xml><?xml version="1.0" encoding="utf-8"?>
+<file path=ppt/slides/slide13.xml><?xml version="1.0" encoding="utf-8"?>
 <p:sld xmlns:a="http://schemas.openxmlformats.org/drawingml/2006/main" xmlns:r="http://schemas.openxmlformats.org/officeDocument/2006/relationships" xmlns:p="http://schemas.openxmlformats.org/presentationml/2006/main">
   <p:cSld>
     <p:spTree>
@@ -5021,7 +7486,7 @@
                   <a:srgbClr val="EF3E58"/>
                 </a:solidFill>
               </a:rPr>
-              <a:t>12</a:t>
+              <a:t>13</a:t>
             </a:fld>
             <a:endParaRPr lang="pt-BR" dirty="0">
               <a:solidFill>
@@ -9777,6 +12242,36 @@
           </a:prstGeom>
         </p:spPr>
       </p:pic>
+      <p:pic>
+        <p:nvPicPr>
+          <p:cNvPr id="2" name="Picture 1"/>
+          <p:cNvPicPr>
+            <a:picLocks noChangeAspect="1"/>
+          </p:cNvPicPr>
+          <p:nvPr/>
+        </p:nvPicPr>
+        <p:blipFill>
+          <a:blip r:embed="rId6" cstate="print">
+            <a:extLst>
+              <a:ext uri="{28A0092B-C50C-407E-A947-70E740481C1C}">
+                <a14:useLocalDpi xmlns:a14="http://schemas.microsoft.com/office/drawing/2010/main" val="0"/>
+              </a:ext>
+            </a:extLst>
+          </a:blip>
+          <a:stretch>
+            <a:fillRect/>
+          </a:stretch>
+        </p:blipFill>
+        <p:spPr>
+          <a:xfrm>
+            <a:off x="6974552" y="2601240"/>
+            <a:ext cx="1531598" cy="1531598"/>
+          </a:xfrm>
+          <a:prstGeom prst="rect">
+            <a:avLst/>
+          </a:prstGeom>
+        </p:spPr>
+      </p:pic>
     </p:spTree>
     <p:extLst>
       <p:ext uri="{BB962C8B-B14F-4D97-AF65-F5344CB8AC3E}">
@@ -10137,66 +12632,961 @@
           </a:prstGeom>
         </p:spPr>
       </p:pic>
+      <p:grpSp>
+        <p:nvGrpSpPr>
+          <p:cNvPr id="53" name="Group 52"/>
+          <p:cNvGrpSpPr/>
+          <p:nvPr/>
+        </p:nvGrpSpPr>
+        <p:grpSpPr>
+          <a:xfrm>
+            <a:off x="860103" y="774170"/>
+            <a:ext cx="3975873" cy="1170561"/>
+            <a:chOff x="522235" y="1076419"/>
+            <a:chExt cx="3975873" cy="1170561"/>
+          </a:xfrm>
+        </p:grpSpPr>
+        <p:sp>
+          <p:nvSpPr>
+            <p:cNvPr id="18" name="Rounded Rectangle 17"/>
+            <p:cNvSpPr/>
+            <p:nvPr/>
+          </p:nvSpPr>
+          <p:spPr>
+            <a:xfrm>
+              <a:off x="522235" y="1076419"/>
+              <a:ext cx="3975873" cy="1158784"/>
+            </a:xfrm>
+            <a:prstGeom prst="roundRect">
+              <a:avLst/>
+            </a:prstGeom>
+            <a:solidFill>
+              <a:srgbClr val="FFCCFF">
+                <a:alpha val="37000"/>
+              </a:srgbClr>
+            </a:solidFill>
+            <a:ln>
+              <a:solidFill>
+                <a:srgbClr val="FFCCFF"/>
+              </a:solidFill>
+            </a:ln>
+          </p:spPr>
+          <p:style>
+            <a:lnRef idx="2">
+              <a:schemeClr val="accent1">
+                <a:shade val="50000"/>
+              </a:schemeClr>
+            </a:lnRef>
+            <a:fillRef idx="1">
+              <a:schemeClr val="accent1"/>
+            </a:fillRef>
+            <a:effectRef idx="0">
+              <a:schemeClr val="accent1"/>
+            </a:effectRef>
+            <a:fontRef idx="minor">
+              <a:schemeClr val="lt1"/>
+            </a:fontRef>
+          </p:style>
+          <p:txBody>
+            <a:bodyPr rtlCol="0" anchor="ctr"/>
+            <a:lstStyle/>
+            <a:p>
+              <a:pPr algn="ctr"/>
+              <a:endParaRPr lang="pt-BR" dirty="0"/>
+            </a:p>
+          </p:txBody>
+        </p:sp>
+        <p:sp>
+          <p:nvSpPr>
+            <p:cNvPr id="20" name="TextBox 19"/>
+            <p:cNvSpPr txBox="1"/>
+            <p:nvPr/>
+          </p:nvSpPr>
+          <p:spPr>
+            <a:xfrm>
+              <a:off x="1594687" y="1209474"/>
+              <a:ext cx="2502864" cy="307777"/>
+            </a:xfrm>
+            <a:prstGeom prst="rect">
+              <a:avLst/>
+            </a:prstGeom>
+            <a:noFill/>
+          </p:spPr>
+          <p:txBody>
+            <a:bodyPr wrap="square" rtlCol="0">
+              <a:spAutoFit/>
+            </a:bodyPr>
+            <a:lstStyle/>
+            <a:p>
+              <a:pPr algn="ctr"/>
+              <a:r>
+                <a:rPr lang="pt-BR" sz="1400" b="1" dirty="0" smtClean="0"/>
+                <a:t>CARREGAR A IMAGEM </a:t>
+              </a:r>
+              <a:endParaRPr lang="pt-BR" sz="1400" b="1" dirty="0" smtClean="0"/>
+            </a:p>
+          </p:txBody>
+        </p:sp>
+        <p:sp>
+          <p:nvSpPr>
+            <p:cNvPr id="21" name="TextBox 20"/>
+            <p:cNvSpPr txBox="1"/>
+            <p:nvPr/>
+          </p:nvSpPr>
+          <p:spPr>
+            <a:xfrm>
+              <a:off x="1486772" y="1529028"/>
+              <a:ext cx="2903421" cy="523220"/>
+            </a:xfrm>
+            <a:prstGeom prst="rect">
+              <a:avLst/>
+            </a:prstGeom>
+            <a:noFill/>
+          </p:spPr>
+          <p:txBody>
+            <a:bodyPr wrap="square" rtlCol="0">
+              <a:spAutoFit/>
+            </a:bodyPr>
+            <a:lstStyle/>
+            <a:p>
+              <a:pPr algn="ctr"/>
+              <a:r>
+                <a:rPr lang="pt-BR" sz="1400" dirty="0" smtClean="0"/>
+                <a:t>Carrega a imagem e transforma em RGB usando a biblioteca Pillow.</a:t>
+              </a:r>
+            </a:p>
+          </p:txBody>
+        </p:sp>
+        <p:pic>
+          <p:nvPicPr>
+            <p:cNvPr id="5" name="Picture 4"/>
+            <p:cNvPicPr>
+              <a:picLocks noChangeAspect="1"/>
+            </p:cNvPicPr>
+            <p:nvPr/>
+          </p:nvPicPr>
+          <p:blipFill>
+            <a:blip r:embed="rId3" cstate="print">
+              <a:extLst>
+                <a:ext uri="{28A0092B-C50C-407E-A947-70E740481C1C}">
+                  <a14:useLocalDpi xmlns:a14="http://schemas.microsoft.com/office/drawing/2010/main" val="0"/>
+                </a:ext>
+              </a:extLst>
+            </a:blip>
+            <a:stretch>
+              <a:fillRect/>
+            </a:stretch>
+          </p:blipFill>
+          <p:spPr>
+            <a:xfrm>
+              <a:off x="552047" y="1143831"/>
+              <a:ext cx="1063751" cy="1103149"/>
+            </a:xfrm>
+            <a:prstGeom prst="rect">
+              <a:avLst/>
+            </a:prstGeom>
+          </p:spPr>
+        </p:pic>
+      </p:grpSp>
+      <p:grpSp>
+        <p:nvGrpSpPr>
+          <p:cNvPr id="52" name="Group 51"/>
+          <p:cNvGrpSpPr/>
+          <p:nvPr/>
+        </p:nvGrpSpPr>
+        <p:grpSpPr>
+          <a:xfrm>
+            <a:off x="565264" y="2515379"/>
+            <a:ext cx="4590398" cy="1680309"/>
+            <a:chOff x="5432833" y="945346"/>
+            <a:chExt cx="4590398" cy="1680309"/>
+          </a:xfrm>
+        </p:grpSpPr>
+        <p:sp>
+          <p:nvSpPr>
+            <p:cNvPr id="19" name="Rounded Rectangle 18"/>
+            <p:cNvSpPr/>
+            <p:nvPr/>
+          </p:nvSpPr>
+          <p:spPr>
+            <a:xfrm>
+              <a:off x="5432833" y="945346"/>
+              <a:ext cx="4590398" cy="1680309"/>
+            </a:xfrm>
+            <a:prstGeom prst="roundRect">
+              <a:avLst/>
+            </a:prstGeom>
+            <a:solidFill>
+              <a:srgbClr val="FFCCFF">
+                <a:alpha val="37000"/>
+              </a:srgbClr>
+            </a:solidFill>
+            <a:ln>
+              <a:solidFill>
+                <a:srgbClr val="FFCCFF"/>
+              </a:solidFill>
+            </a:ln>
+          </p:spPr>
+          <p:style>
+            <a:lnRef idx="2">
+              <a:schemeClr val="accent1">
+                <a:shade val="50000"/>
+              </a:schemeClr>
+            </a:lnRef>
+            <a:fillRef idx="1">
+              <a:schemeClr val="accent1"/>
+            </a:fillRef>
+            <a:effectRef idx="0">
+              <a:schemeClr val="accent1"/>
+            </a:effectRef>
+            <a:fontRef idx="minor">
+              <a:schemeClr val="lt1"/>
+            </a:fontRef>
+          </p:style>
+          <p:txBody>
+            <a:bodyPr rtlCol="0" anchor="ctr"/>
+            <a:lstStyle/>
+            <a:p>
+              <a:pPr algn="ctr"/>
+              <a:endParaRPr lang="pt-BR" dirty="0"/>
+            </a:p>
+          </p:txBody>
+        </p:sp>
+        <p:sp>
+          <p:nvSpPr>
+            <p:cNvPr id="22" name="TextBox 21"/>
+            <p:cNvSpPr txBox="1"/>
+            <p:nvPr/>
+          </p:nvSpPr>
+          <p:spPr>
+            <a:xfrm>
+              <a:off x="5572027" y="1037678"/>
+              <a:ext cx="2502864" cy="307777"/>
+            </a:xfrm>
+            <a:prstGeom prst="rect">
+              <a:avLst/>
+            </a:prstGeom>
+            <a:noFill/>
+          </p:spPr>
+          <p:txBody>
+            <a:bodyPr wrap="square" rtlCol="0">
+              <a:spAutoFit/>
+            </a:bodyPr>
+            <a:lstStyle/>
+            <a:p>
+              <a:pPr algn="ctr"/>
+              <a:r>
+                <a:rPr lang="pt-BR" sz="1400" b="1" dirty="0" smtClean="0"/>
+                <a:t>REDIMENSIONAR A IMAGEM </a:t>
+              </a:r>
+              <a:endParaRPr lang="pt-BR" sz="1400" b="1" dirty="0" smtClean="0"/>
+            </a:p>
+          </p:txBody>
+        </p:sp>
+        <p:grpSp>
+          <p:nvGrpSpPr>
+            <p:cNvPr id="51" name="Group 50"/>
+            <p:cNvGrpSpPr/>
+            <p:nvPr/>
+          </p:nvGrpSpPr>
+          <p:grpSpPr>
+            <a:xfrm>
+              <a:off x="8407462" y="945346"/>
+              <a:ext cx="1608516" cy="1472211"/>
+              <a:chOff x="7932834" y="983769"/>
+              <a:chExt cx="1608516" cy="1472211"/>
+            </a:xfrm>
+          </p:grpSpPr>
+          <p:grpSp>
+            <p:nvGrpSpPr>
+              <p:cNvPr id="47" name="Group 46"/>
+              <p:cNvGrpSpPr/>
+              <p:nvPr/>
+            </p:nvGrpSpPr>
+            <p:grpSpPr>
+              <a:xfrm>
+                <a:off x="7932834" y="1209437"/>
+                <a:ext cx="1355555" cy="1246543"/>
+                <a:chOff x="7932834" y="1209437"/>
+                <a:chExt cx="1355555" cy="1246543"/>
+              </a:xfrm>
+            </p:grpSpPr>
+            <p:pic>
+              <p:nvPicPr>
+                <p:cNvPr id="23" name="Picture 22"/>
+                <p:cNvPicPr>
+                  <a:picLocks noChangeAspect="1"/>
+                </p:cNvPicPr>
+                <p:nvPr/>
+              </p:nvPicPr>
+              <p:blipFill>
+                <a:blip r:embed="rId3" cstate="print">
+                  <a:extLst>
+                    <a:ext uri="{28A0092B-C50C-407E-A947-70E740481C1C}">
+                      <a14:useLocalDpi xmlns:a14="http://schemas.microsoft.com/office/drawing/2010/main" val="0"/>
+                    </a:ext>
+                  </a:extLst>
+                </a:blip>
+                <a:stretch>
+                  <a:fillRect/>
+                </a:stretch>
+              </p:blipFill>
+              <p:spPr>
+                <a:xfrm>
+                  <a:off x="8052849" y="1292968"/>
+                  <a:ext cx="1063751" cy="1103149"/>
+                </a:xfrm>
+                <a:prstGeom prst="rect">
+                  <a:avLst/>
+                </a:prstGeom>
+              </p:spPr>
+            </p:pic>
+            <p:sp>
+              <p:nvSpPr>
+                <p:cNvPr id="2" name="Rectangle 1"/>
+                <p:cNvSpPr/>
+                <p:nvPr/>
+              </p:nvSpPr>
+              <p:spPr>
+                <a:xfrm>
+                  <a:off x="7934036" y="1221252"/>
+                  <a:ext cx="1348509" cy="1228872"/>
+                </a:xfrm>
+                <a:prstGeom prst="rect">
+                  <a:avLst/>
+                </a:prstGeom>
+                <a:noFill/>
+                <a:ln w="19050">
+                  <a:solidFill>
+                    <a:schemeClr val="tx1"/>
+                  </a:solidFill>
+                </a:ln>
+              </p:spPr>
+              <p:style>
+                <a:lnRef idx="2">
+                  <a:schemeClr val="accent1">
+                    <a:shade val="50000"/>
+                  </a:schemeClr>
+                </a:lnRef>
+                <a:fillRef idx="1">
+                  <a:schemeClr val="accent1"/>
+                </a:fillRef>
+                <a:effectRef idx="0">
+                  <a:schemeClr val="accent1"/>
+                </a:effectRef>
+                <a:fontRef idx="minor">
+                  <a:schemeClr val="lt1"/>
+                </a:fontRef>
+              </p:style>
+              <p:txBody>
+                <a:bodyPr rtlCol="0" anchor="ctr"/>
+                <a:lstStyle/>
+                <a:p>
+                  <a:pPr algn="ctr"/>
+                  <a:endParaRPr lang="pt-BR"/>
+                </a:p>
+              </p:txBody>
+            </p:sp>
+            <p:cxnSp>
+              <p:nvCxnSpPr>
+                <p:cNvPr id="4" name="Straight Connector 3"/>
+                <p:cNvCxnSpPr/>
+                <p:nvPr/>
+              </p:nvCxnSpPr>
+              <p:spPr>
+                <a:xfrm>
+                  <a:off x="8052849" y="1215329"/>
+                  <a:ext cx="0" cy="1234795"/>
+                </a:xfrm>
+                <a:prstGeom prst="line">
+                  <a:avLst/>
+                </a:prstGeom>
+                <a:ln w="19050">
+                  <a:solidFill>
+                    <a:schemeClr val="tx1"/>
+                  </a:solidFill>
+                </a:ln>
+              </p:spPr>
+              <p:style>
+                <a:lnRef idx="1">
+                  <a:schemeClr val="accent1"/>
+                </a:lnRef>
+                <a:fillRef idx="0">
+                  <a:schemeClr val="accent1"/>
+                </a:fillRef>
+                <a:effectRef idx="0">
+                  <a:schemeClr val="accent1"/>
+                </a:effectRef>
+                <a:fontRef idx="minor">
+                  <a:schemeClr val="tx1"/>
+                </a:fontRef>
+              </p:style>
+            </p:cxnSp>
+            <p:cxnSp>
+              <p:nvCxnSpPr>
+                <p:cNvPr id="24" name="Straight Connector 23"/>
+                <p:cNvCxnSpPr/>
+                <p:nvPr/>
+              </p:nvCxnSpPr>
+              <p:spPr>
+                <a:xfrm flipH="1">
+                  <a:off x="8200292" y="1227051"/>
+                  <a:ext cx="4957" cy="1223073"/>
+                </a:xfrm>
+                <a:prstGeom prst="line">
+                  <a:avLst/>
+                </a:prstGeom>
+                <a:ln w="19050">
+                  <a:solidFill>
+                    <a:schemeClr val="tx1"/>
+                  </a:solidFill>
+                </a:ln>
+              </p:spPr>
+              <p:style>
+                <a:lnRef idx="1">
+                  <a:schemeClr val="accent1"/>
+                </a:lnRef>
+                <a:fillRef idx="0">
+                  <a:schemeClr val="accent1"/>
+                </a:fillRef>
+                <a:effectRef idx="0">
+                  <a:schemeClr val="accent1"/>
+                </a:effectRef>
+                <a:fontRef idx="minor">
+                  <a:schemeClr val="tx1"/>
+                </a:fontRef>
+              </p:style>
+            </p:cxnSp>
+            <p:cxnSp>
+              <p:nvCxnSpPr>
+                <p:cNvPr id="25" name="Straight Connector 24"/>
+                <p:cNvCxnSpPr/>
+                <p:nvPr/>
+              </p:nvCxnSpPr>
+              <p:spPr>
+                <a:xfrm flipH="1">
+                  <a:off x="8346831" y="1227045"/>
+                  <a:ext cx="16680" cy="1223079"/>
+                </a:xfrm>
+                <a:prstGeom prst="line">
+                  <a:avLst/>
+                </a:prstGeom>
+                <a:ln w="19050">
+                  <a:solidFill>
+                    <a:schemeClr val="tx1"/>
+                  </a:solidFill>
+                </a:ln>
+              </p:spPr>
+              <p:style>
+                <a:lnRef idx="1">
+                  <a:schemeClr val="accent1"/>
+                </a:lnRef>
+                <a:fillRef idx="0">
+                  <a:schemeClr val="accent1"/>
+                </a:fillRef>
+                <a:effectRef idx="0">
+                  <a:schemeClr val="accent1"/>
+                </a:effectRef>
+                <a:fontRef idx="minor">
+                  <a:schemeClr val="tx1"/>
+                </a:fontRef>
+              </p:style>
+            </p:cxnSp>
+            <p:cxnSp>
+              <p:nvCxnSpPr>
+                <p:cNvPr id="26" name="Straight Connector 25"/>
+                <p:cNvCxnSpPr/>
+                <p:nvPr/>
+              </p:nvCxnSpPr>
+              <p:spPr>
+                <a:xfrm flipH="1">
+                  <a:off x="8499231" y="1215314"/>
+                  <a:ext cx="22542" cy="1234810"/>
+                </a:xfrm>
+                <a:prstGeom prst="line">
+                  <a:avLst/>
+                </a:prstGeom>
+                <a:ln w="19050">
+                  <a:solidFill>
+                    <a:schemeClr val="tx1"/>
+                  </a:solidFill>
+                </a:ln>
+              </p:spPr>
+              <p:style>
+                <a:lnRef idx="1">
+                  <a:schemeClr val="accent1"/>
+                </a:lnRef>
+                <a:fillRef idx="0">
+                  <a:schemeClr val="accent1"/>
+                </a:fillRef>
+                <a:effectRef idx="0">
+                  <a:schemeClr val="accent1"/>
+                </a:effectRef>
+                <a:fontRef idx="minor">
+                  <a:schemeClr val="tx1"/>
+                </a:fontRef>
+              </p:style>
+            </p:cxnSp>
+            <p:cxnSp>
+              <p:nvCxnSpPr>
+                <p:cNvPr id="28" name="Straight Connector 27"/>
+                <p:cNvCxnSpPr/>
+                <p:nvPr/>
+              </p:nvCxnSpPr>
+              <p:spPr>
+                <a:xfrm flipH="1">
+                  <a:off x="8821615" y="1221165"/>
+                  <a:ext cx="4958" cy="1228959"/>
+                </a:xfrm>
+                <a:prstGeom prst="line">
+                  <a:avLst/>
+                </a:prstGeom>
+                <a:ln w="19050">
+                  <a:solidFill>
+                    <a:schemeClr val="tx1"/>
+                  </a:solidFill>
+                </a:ln>
+              </p:spPr>
+              <p:style>
+                <a:lnRef idx="1">
+                  <a:schemeClr val="accent1"/>
+                </a:lnRef>
+                <a:fillRef idx="0">
+                  <a:schemeClr val="accent1"/>
+                </a:fillRef>
+                <a:effectRef idx="0">
+                  <a:schemeClr val="accent1"/>
+                </a:effectRef>
+                <a:fontRef idx="minor">
+                  <a:schemeClr val="tx1"/>
+                </a:fontRef>
+              </p:style>
+            </p:cxnSp>
+            <p:cxnSp>
+              <p:nvCxnSpPr>
+                <p:cNvPr id="29" name="Straight Connector 28"/>
+                <p:cNvCxnSpPr/>
+                <p:nvPr/>
+              </p:nvCxnSpPr>
+              <p:spPr>
+                <a:xfrm flipH="1">
+                  <a:off x="8962292" y="1209437"/>
+                  <a:ext cx="16681" cy="1240687"/>
+                </a:xfrm>
+                <a:prstGeom prst="line">
+                  <a:avLst/>
+                </a:prstGeom>
+                <a:ln w="19050">
+                  <a:solidFill>
+                    <a:schemeClr val="tx1"/>
+                  </a:solidFill>
+                </a:ln>
+              </p:spPr>
+              <p:style>
+                <a:lnRef idx="1">
+                  <a:schemeClr val="accent1"/>
+                </a:lnRef>
+                <a:fillRef idx="0">
+                  <a:schemeClr val="accent1"/>
+                </a:fillRef>
+                <a:effectRef idx="0">
+                  <a:schemeClr val="accent1"/>
+                </a:effectRef>
+                <a:fontRef idx="minor">
+                  <a:schemeClr val="tx1"/>
+                </a:fontRef>
+              </p:style>
+            </p:cxnSp>
+            <p:cxnSp>
+              <p:nvCxnSpPr>
+                <p:cNvPr id="30" name="Straight Connector 29"/>
+                <p:cNvCxnSpPr/>
+                <p:nvPr/>
+              </p:nvCxnSpPr>
+              <p:spPr>
+                <a:xfrm flipH="1">
+                  <a:off x="9116600" y="1227018"/>
+                  <a:ext cx="14773" cy="1223106"/>
+                </a:xfrm>
+                <a:prstGeom prst="line">
+                  <a:avLst/>
+                </a:prstGeom>
+                <a:ln w="19050">
+                  <a:solidFill>
+                    <a:schemeClr val="tx1"/>
+                  </a:solidFill>
+                </a:ln>
+              </p:spPr>
+              <p:style>
+                <a:lnRef idx="1">
+                  <a:schemeClr val="accent1"/>
+                </a:lnRef>
+                <a:fillRef idx="0">
+                  <a:schemeClr val="accent1"/>
+                </a:fillRef>
+                <a:effectRef idx="0">
+                  <a:schemeClr val="accent1"/>
+                </a:effectRef>
+                <a:fontRef idx="minor">
+                  <a:schemeClr val="tx1"/>
+                </a:fontRef>
+              </p:style>
+            </p:cxnSp>
+            <p:cxnSp>
+              <p:nvCxnSpPr>
+                <p:cNvPr id="31" name="Straight Connector 30"/>
+                <p:cNvCxnSpPr/>
+                <p:nvPr/>
+              </p:nvCxnSpPr>
+              <p:spPr>
+                <a:xfrm flipH="1">
+                  <a:off x="7938720" y="1363362"/>
+                  <a:ext cx="1343825" cy="6666"/>
+                </a:xfrm>
+                <a:prstGeom prst="line">
+                  <a:avLst/>
+                </a:prstGeom>
+                <a:ln w="19050">
+                  <a:solidFill>
+                    <a:schemeClr val="tx1"/>
+                  </a:solidFill>
+                </a:ln>
+              </p:spPr>
+              <p:style>
+                <a:lnRef idx="1">
+                  <a:schemeClr val="accent1"/>
+                </a:lnRef>
+                <a:fillRef idx="0">
+                  <a:schemeClr val="accent1"/>
+                </a:fillRef>
+                <a:effectRef idx="0">
+                  <a:schemeClr val="accent1"/>
+                </a:effectRef>
+                <a:fontRef idx="minor">
+                  <a:schemeClr val="tx1"/>
+                </a:fontRef>
+              </p:style>
+            </p:cxnSp>
+            <p:cxnSp>
+              <p:nvCxnSpPr>
+                <p:cNvPr id="32" name="Straight Connector 31"/>
+                <p:cNvCxnSpPr/>
+                <p:nvPr/>
+              </p:nvCxnSpPr>
+              <p:spPr>
+                <a:xfrm flipH="1">
+                  <a:off x="7938715" y="1515762"/>
+                  <a:ext cx="1343825" cy="6666"/>
+                </a:xfrm>
+                <a:prstGeom prst="line">
+                  <a:avLst/>
+                </a:prstGeom>
+                <a:ln w="19050">
+                  <a:solidFill>
+                    <a:schemeClr val="tx1"/>
+                  </a:solidFill>
+                </a:ln>
+              </p:spPr>
+              <p:style>
+                <a:lnRef idx="1">
+                  <a:schemeClr val="accent1"/>
+                </a:lnRef>
+                <a:fillRef idx="0">
+                  <a:schemeClr val="accent1"/>
+                </a:fillRef>
+                <a:effectRef idx="0">
+                  <a:schemeClr val="accent1"/>
+                </a:effectRef>
+                <a:fontRef idx="minor">
+                  <a:schemeClr val="tx1"/>
+                </a:fontRef>
+              </p:style>
+            </p:cxnSp>
+            <p:cxnSp>
+              <p:nvCxnSpPr>
+                <p:cNvPr id="33" name="Straight Connector 32"/>
+                <p:cNvCxnSpPr/>
+                <p:nvPr/>
+              </p:nvCxnSpPr>
+              <p:spPr>
+                <a:xfrm flipH="1">
+                  <a:off x="7938709" y="1674024"/>
+                  <a:ext cx="1343825" cy="6666"/>
+                </a:xfrm>
+                <a:prstGeom prst="line">
+                  <a:avLst/>
+                </a:prstGeom>
+                <a:ln w="19050">
+                  <a:solidFill>
+                    <a:schemeClr val="tx1"/>
+                  </a:solidFill>
+                </a:ln>
+              </p:spPr>
+              <p:style>
+                <a:lnRef idx="1">
+                  <a:schemeClr val="accent1"/>
+                </a:lnRef>
+                <a:fillRef idx="0">
+                  <a:schemeClr val="accent1"/>
+                </a:fillRef>
+                <a:effectRef idx="0">
+                  <a:schemeClr val="accent1"/>
+                </a:effectRef>
+                <a:fontRef idx="minor">
+                  <a:schemeClr val="tx1"/>
+                </a:fontRef>
+              </p:style>
+            </p:cxnSp>
+            <p:cxnSp>
+              <p:nvCxnSpPr>
+                <p:cNvPr id="34" name="Straight Connector 33"/>
+                <p:cNvCxnSpPr/>
+                <p:nvPr/>
+              </p:nvCxnSpPr>
+              <p:spPr>
+                <a:xfrm flipH="1">
+                  <a:off x="7944564" y="1826424"/>
+                  <a:ext cx="1343825" cy="6666"/>
+                </a:xfrm>
+                <a:prstGeom prst="line">
+                  <a:avLst/>
+                </a:prstGeom>
+                <a:ln w="19050">
+                  <a:solidFill>
+                    <a:schemeClr val="tx1"/>
+                  </a:solidFill>
+                </a:ln>
+              </p:spPr>
+              <p:style>
+                <a:lnRef idx="1">
+                  <a:schemeClr val="accent1"/>
+                </a:lnRef>
+                <a:fillRef idx="0">
+                  <a:schemeClr val="accent1"/>
+                </a:fillRef>
+                <a:effectRef idx="0">
+                  <a:schemeClr val="accent1"/>
+                </a:effectRef>
+                <a:fontRef idx="minor">
+                  <a:schemeClr val="tx1"/>
+                </a:fontRef>
+              </p:style>
+            </p:cxnSp>
+            <p:cxnSp>
+              <p:nvCxnSpPr>
+                <p:cNvPr id="35" name="Straight Connector 34"/>
+                <p:cNvCxnSpPr/>
+                <p:nvPr/>
+              </p:nvCxnSpPr>
+              <p:spPr>
+                <a:xfrm flipH="1">
+                  <a:off x="7938698" y="1984686"/>
+                  <a:ext cx="1343825" cy="6666"/>
+                </a:xfrm>
+                <a:prstGeom prst="line">
+                  <a:avLst/>
+                </a:prstGeom>
+                <a:ln w="19050">
+                  <a:solidFill>
+                    <a:schemeClr val="tx1"/>
+                  </a:solidFill>
+                </a:ln>
+              </p:spPr>
+              <p:style>
+                <a:lnRef idx="1">
+                  <a:schemeClr val="accent1"/>
+                </a:lnRef>
+                <a:fillRef idx="0">
+                  <a:schemeClr val="accent1"/>
+                </a:fillRef>
+                <a:effectRef idx="0">
+                  <a:schemeClr val="accent1"/>
+                </a:effectRef>
+                <a:fontRef idx="minor">
+                  <a:schemeClr val="tx1"/>
+                </a:fontRef>
+              </p:style>
+            </p:cxnSp>
+            <p:cxnSp>
+              <p:nvCxnSpPr>
+                <p:cNvPr id="36" name="Straight Connector 35"/>
+                <p:cNvCxnSpPr/>
+                <p:nvPr/>
+              </p:nvCxnSpPr>
+              <p:spPr>
+                <a:xfrm flipH="1">
+                  <a:off x="7932834" y="2137086"/>
+                  <a:ext cx="1343825" cy="6666"/>
+                </a:xfrm>
+                <a:prstGeom prst="line">
+                  <a:avLst/>
+                </a:prstGeom>
+                <a:ln w="19050">
+                  <a:solidFill>
+                    <a:schemeClr val="tx1"/>
+                  </a:solidFill>
+                </a:ln>
+              </p:spPr>
+              <p:style>
+                <a:lnRef idx="1">
+                  <a:schemeClr val="accent1"/>
+                </a:lnRef>
+                <a:fillRef idx="0">
+                  <a:schemeClr val="accent1"/>
+                </a:fillRef>
+                <a:effectRef idx="0">
+                  <a:schemeClr val="accent1"/>
+                </a:effectRef>
+                <a:fontRef idx="minor">
+                  <a:schemeClr val="tx1"/>
+                </a:fontRef>
+              </p:style>
+            </p:cxnSp>
+            <p:cxnSp>
+              <p:nvCxnSpPr>
+                <p:cNvPr id="37" name="Straight Connector 36"/>
+                <p:cNvCxnSpPr/>
+                <p:nvPr/>
+              </p:nvCxnSpPr>
+              <p:spPr>
+                <a:xfrm flipH="1">
+                  <a:off x="7944552" y="2289486"/>
+                  <a:ext cx="1343825" cy="6666"/>
+                </a:xfrm>
+                <a:prstGeom prst="line">
+                  <a:avLst/>
+                </a:prstGeom>
+                <a:ln w="19050">
+                  <a:solidFill>
+                    <a:schemeClr val="tx1"/>
+                  </a:solidFill>
+                </a:ln>
+              </p:spPr>
+              <p:style>
+                <a:lnRef idx="1">
+                  <a:schemeClr val="accent1"/>
+                </a:lnRef>
+                <a:fillRef idx="0">
+                  <a:schemeClr val="accent1"/>
+                </a:fillRef>
+                <a:effectRef idx="0">
+                  <a:schemeClr val="accent1"/>
+                </a:effectRef>
+                <a:fontRef idx="minor">
+                  <a:schemeClr val="tx1"/>
+                </a:fontRef>
+              </p:style>
+            </p:cxnSp>
+            <p:cxnSp>
+              <p:nvCxnSpPr>
+                <p:cNvPr id="43" name="Straight Connector 42"/>
+                <p:cNvCxnSpPr/>
+                <p:nvPr/>
+              </p:nvCxnSpPr>
+              <p:spPr>
+                <a:xfrm flipH="1">
+                  <a:off x="8651631" y="1221170"/>
+                  <a:ext cx="22542" cy="1234810"/>
+                </a:xfrm>
+                <a:prstGeom prst="line">
+                  <a:avLst/>
+                </a:prstGeom>
+                <a:ln w="19050">
+                  <a:solidFill>
+                    <a:schemeClr val="tx1"/>
+                  </a:solidFill>
+                </a:ln>
+              </p:spPr>
+              <p:style>
+                <a:lnRef idx="1">
+                  <a:schemeClr val="accent1"/>
+                </a:lnRef>
+                <a:fillRef idx="0">
+                  <a:schemeClr val="accent1"/>
+                </a:fillRef>
+                <a:effectRef idx="0">
+                  <a:schemeClr val="accent1"/>
+                </a:effectRef>
+                <a:fontRef idx="minor">
+                  <a:schemeClr val="tx1"/>
+                </a:fontRef>
+              </p:style>
+            </p:cxnSp>
+          </p:grpSp>
+          <p:sp>
+            <p:nvSpPr>
+              <p:cNvPr id="48" name="TextBox 47"/>
+              <p:cNvSpPr txBox="1"/>
+              <p:nvPr/>
+            </p:nvSpPr>
+            <p:spPr>
+              <a:xfrm>
+                <a:off x="8200292" y="983769"/>
+                <a:ext cx="804574" cy="246221"/>
+              </a:xfrm>
+              <a:prstGeom prst="rect">
+                <a:avLst/>
+              </a:prstGeom>
+              <a:noFill/>
+            </p:spPr>
+            <p:txBody>
+              <a:bodyPr wrap="square" rtlCol="0">
+                <a:spAutoFit/>
+              </a:bodyPr>
+              <a:lstStyle/>
+              <a:p>
+                <a:pPr algn="ctr"/>
+                <a:r>
+                  <a:rPr lang="pt-BR" sz="1000" dirty="0" smtClean="0"/>
+                  <a:t>Grid_size</a:t>
+                </a:r>
+                <a:endParaRPr lang="pt-BR" sz="1000" dirty="0" smtClean="0"/>
+              </a:p>
+            </p:txBody>
+          </p:sp>
+          <p:sp>
+            <p:nvSpPr>
+              <p:cNvPr id="49" name="TextBox 48"/>
+              <p:cNvSpPr txBox="1"/>
+              <p:nvPr/>
+            </p:nvSpPr>
+            <p:spPr>
+              <a:xfrm rot="5400000">
+                <a:off x="9015953" y="1703314"/>
+                <a:ext cx="804574" cy="246221"/>
+              </a:xfrm>
+              <a:prstGeom prst="rect">
+                <a:avLst/>
+              </a:prstGeom>
+              <a:noFill/>
+            </p:spPr>
+            <p:txBody>
+              <a:bodyPr wrap="square" rtlCol="0">
+                <a:spAutoFit/>
+              </a:bodyPr>
+              <a:lstStyle/>
+              <a:p>
+                <a:pPr algn="ctr"/>
+                <a:r>
+                  <a:rPr lang="pt-BR" sz="1000" dirty="0" smtClean="0"/>
+                  <a:t>Grid_size</a:t>
+                </a:r>
+                <a:endParaRPr lang="pt-BR" sz="1000" dirty="0" smtClean="0"/>
+              </a:p>
+            </p:txBody>
+          </p:sp>
+        </p:grpSp>
+      </p:grpSp>
       <p:sp>
         <p:nvSpPr>
-          <p:cNvPr id="18" name="Rounded Rectangle 17"/>
-          <p:cNvSpPr/>
-          <p:nvPr/>
-        </p:nvSpPr>
-        <p:spPr>
-          <a:xfrm>
-            <a:off x="522235" y="1150307"/>
-            <a:ext cx="3975873" cy="1158784"/>
-          </a:xfrm>
-          <a:prstGeom prst="roundRect">
-            <a:avLst/>
-          </a:prstGeom>
-          <a:solidFill>
-            <a:srgbClr val="FFCCFF">
-              <a:alpha val="37000"/>
-            </a:srgbClr>
-          </a:solidFill>
-          <a:ln>
-            <a:solidFill>
-              <a:srgbClr val="FFCCFF"/>
-            </a:solidFill>
-          </a:ln>
-        </p:spPr>
-        <p:style>
-          <a:lnRef idx="2">
-            <a:schemeClr val="accent1">
-              <a:shade val="50000"/>
-            </a:schemeClr>
-          </a:lnRef>
-          <a:fillRef idx="1">
-            <a:schemeClr val="accent1"/>
-          </a:fillRef>
-          <a:effectRef idx="0">
-            <a:schemeClr val="accent1"/>
-          </a:effectRef>
-          <a:fontRef idx="minor">
-            <a:schemeClr val="lt1"/>
-          </a:fontRef>
-        </p:style>
-        <p:txBody>
-          <a:bodyPr rtlCol="0" anchor="ctr"/>
-          <a:lstStyle/>
-          <a:p>
-            <a:pPr algn="ctr"/>
-            <a:endParaRPr lang="pt-BR" dirty="0"/>
-          </a:p>
-        </p:txBody>
-      </p:sp>
-      <p:sp>
-        <p:nvSpPr>
-          <p:cNvPr id="20" name="TextBox 19"/>
+          <p:cNvPr id="50" name="TextBox 49"/>
           <p:cNvSpPr txBox="1"/>
           <p:nvPr/>
         </p:nvSpPr>
         <p:spPr>
           <a:xfrm>
-            <a:off x="1594687" y="1283362"/>
-            <a:ext cx="2502864" cy="307777"/>
+            <a:off x="420695" y="2973620"/>
+            <a:ext cx="3243490" cy="954107"/>
           </a:xfrm>
           <a:prstGeom prst="rect">
             <a:avLst/>
@@ -10211,74 +13601,316 @@
           <a:p>
             <a:pPr algn="ctr"/>
             <a:r>
-              <a:rPr lang="pt-BR" sz="1400" b="1" dirty="0" smtClean="0"/>
-              <a:t>LOAD IMAGE</a:t>
+              <a:rPr lang="pt-BR" sz="1400" dirty="0"/>
+              <a:t>A imagem é redimensionada proporcionalmente para caber no tamanho da grade </a:t>
             </a:r>
-            <a:endParaRPr lang="pt-BR" sz="1400" b="1" dirty="0" smtClean="0"/>
+            <a:r>
+              <a:rPr lang="pt-BR" sz="1400" dirty="0" smtClean="0"/>
+              <a:t>usando </a:t>
+            </a:r>
+            <a:r>
+              <a:rPr lang="pt-BR" sz="1400" dirty="0" smtClean="0"/>
+              <a:t>a biblioteca Pillow.</a:t>
+            </a:r>
           </a:p>
         </p:txBody>
       </p:sp>
-      <p:sp>
-        <p:nvSpPr>
-          <p:cNvPr id="21" name="TextBox 20"/>
-          <p:cNvSpPr txBox="1"/>
+      <p:grpSp>
+        <p:nvGrpSpPr>
+          <p:cNvPr id="87" name="Group 86"/>
+          <p:cNvGrpSpPr/>
           <p:nvPr/>
-        </p:nvSpPr>
+        </p:nvGrpSpPr>
+        <p:grpSpPr>
+          <a:xfrm>
+            <a:off x="579402" y="4752825"/>
+            <a:ext cx="4590398" cy="1680309"/>
+            <a:chOff x="429937" y="4216933"/>
+            <a:chExt cx="4590398" cy="1680309"/>
+          </a:xfrm>
+        </p:grpSpPr>
+        <p:grpSp>
+          <p:nvGrpSpPr>
+            <p:cNvPr id="85" name="Group 84"/>
+            <p:cNvGrpSpPr/>
+            <p:nvPr/>
+          </p:nvGrpSpPr>
+          <p:grpSpPr>
+            <a:xfrm>
+              <a:off x="429937" y="4216933"/>
+              <a:ext cx="4590398" cy="1680309"/>
+              <a:chOff x="429937" y="4216933"/>
+              <a:chExt cx="4590398" cy="1680309"/>
+            </a:xfrm>
+          </p:grpSpPr>
+          <p:sp>
+            <p:nvSpPr>
+              <p:cNvPr id="58" name="Rounded Rectangle 57"/>
+              <p:cNvSpPr/>
+              <p:nvPr/>
+            </p:nvSpPr>
+            <p:spPr>
+              <a:xfrm>
+                <a:off x="429937" y="4216933"/>
+                <a:ext cx="4590398" cy="1680309"/>
+              </a:xfrm>
+              <a:prstGeom prst="roundRect">
+                <a:avLst/>
+              </a:prstGeom>
+              <a:solidFill>
+                <a:srgbClr val="FFCCFF">
+                  <a:alpha val="37000"/>
+                </a:srgbClr>
+              </a:solidFill>
+              <a:ln>
+                <a:solidFill>
+                  <a:srgbClr val="FFCCFF"/>
+                </a:solidFill>
+              </a:ln>
+            </p:spPr>
+            <p:style>
+              <a:lnRef idx="2">
+                <a:schemeClr val="accent1">
+                  <a:shade val="50000"/>
+                </a:schemeClr>
+              </a:lnRef>
+              <a:fillRef idx="1">
+                <a:schemeClr val="accent1"/>
+              </a:fillRef>
+              <a:effectRef idx="0">
+                <a:schemeClr val="accent1"/>
+              </a:effectRef>
+              <a:fontRef idx="minor">
+                <a:schemeClr val="lt1"/>
+              </a:fontRef>
+            </p:style>
+            <p:txBody>
+              <a:bodyPr rtlCol="0" anchor="ctr"/>
+              <a:lstStyle/>
+              <a:p>
+                <a:pPr algn="ctr"/>
+                <a:endParaRPr lang="pt-BR" dirty="0"/>
+              </a:p>
+            </p:txBody>
+          </p:sp>
+          <p:sp>
+            <p:nvSpPr>
+              <p:cNvPr id="59" name="TextBox 58"/>
+              <p:cNvSpPr txBox="1"/>
+              <p:nvPr/>
+            </p:nvSpPr>
+            <p:spPr>
+              <a:xfrm>
+                <a:off x="716429" y="4363592"/>
+                <a:ext cx="2502864" cy="307777"/>
+              </a:xfrm>
+              <a:prstGeom prst="rect">
+                <a:avLst/>
+              </a:prstGeom>
+              <a:noFill/>
+            </p:spPr>
+            <p:txBody>
+              <a:bodyPr wrap="square" rtlCol="0">
+                <a:spAutoFit/>
+              </a:bodyPr>
+              <a:lstStyle/>
+              <a:p>
+                <a:pPr algn="ctr"/>
+                <a:r>
+                  <a:rPr lang="pt-BR" sz="1400" b="1" dirty="0" smtClean="0"/>
+                  <a:t>DESENHAR PIXEL A PIXEL</a:t>
+                </a:r>
+                <a:endParaRPr lang="pt-BR" sz="1400" b="1" dirty="0" smtClean="0"/>
+              </a:p>
+            </p:txBody>
+          </p:sp>
+          <p:sp>
+            <p:nvSpPr>
+              <p:cNvPr id="83" name="Rectangle 82"/>
+              <p:cNvSpPr/>
+              <p:nvPr/>
+            </p:nvSpPr>
+            <p:spPr>
+              <a:xfrm>
+                <a:off x="604186" y="4717265"/>
+                <a:ext cx="2680464" cy="938719"/>
+              </a:xfrm>
+              <a:prstGeom prst="rect">
+                <a:avLst/>
+              </a:prstGeom>
+            </p:spPr>
+            <p:txBody>
+              <a:bodyPr wrap="square">
+                <a:spAutoFit/>
+              </a:bodyPr>
+              <a:lstStyle/>
+              <a:p>
+                <a:pPr lvl="0" algn="ctr" eaLnBrk="0" fontAlgn="base" hangingPunct="0">
+                  <a:spcBef>
+                    <a:spcPct val="0"/>
+                  </a:spcBef>
+                  <a:spcAft>
+                    <a:spcPct val="0"/>
+                  </a:spcAft>
+                </a:pPr>
+                <a:r>
+                  <a:rPr lang="pt-BR" altLang="pt-BR" sz="1100" dirty="0">
+                    <a:latin typeface="Arial" panose="020B0604020202020204" pitchFamily="34" charset="0"/>
+                  </a:rPr>
+                  <a:t>Cada pixel da imagem é convertido em uma pequena célula </a:t>
+                </a:r>
+                <a:r>
+                  <a:rPr lang="pt-BR" altLang="pt-BR" sz="1100" dirty="0" smtClean="0">
+                    <a:latin typeface="Arial" panose="020B0604020202020204" pitchFamily="34" charset="0"/>
+                  </a:rPr>
+                  <a:t>colorida. A </a:t>
+                </a:r>
+                <a:r>
+                  <a:rPr lang="pt-BR" altLang="pt-BR" sz="1100" dirty="0">
+                    <a:latin typeface="Arial" panose="020B0604020202020204" pitchFamily="34" charset="0"/>
+                  </a:rPr>
+                  <a:t>biblioteca Turtle move a “tartaruga” para a posição correta e desenha um quadrado colorido.</a:t>
+                </a:r>
+              </a:p>
+            </p:txBody>
+          </p:sp>
+          <p:pic>
+            <p:nvPicPr>
+              <p:cNvPr id="84" name="Picture 83"/>
+              <p:cNvPicPr>
+                <a:picLocks noChangeAspect="1"/>
+              </p:cNvPicPr>
+              <p:nvPr/>
+            </p:nvPicPr>
+            <p:blipFill>
+              <a:blip r:embed="rId4" cstate="print">
+                <a:extLst>
+                  <a:ext uri="{28A0092B-C50C-407E-A947-70E740481C1C}">
+                    <a14:useLocalDpi xmlns:a14="http://schemas.microsoft.com/office/drawing/2010/main" val="0"/>
+                  </a:ext>
+                </a:extLst>
+              </a:blip>
+              <a:stretch>
+                <a:fillRect/>
+              </a:stretch>
+            </p:blipFill>
+            <p:spPr>
+              <a:xfrm>
+                <a:off x="3587156" y="4472050"/>
+                <a:ext cx="1138629" cy="1204245"/>
+              </a:xfrm>
+              <a:prstGeom prst="rect">
+                <a:avLst/>
+              </a:prstGeom>
+            </p:spPr>
+          </p:pic>
+        </p:grpSp>
+        <p:pic>
+          <p:nvPicPr>
+            <p:cNvPr id="86" name="Picture 85"/>
+            <p:cNvPicPr>
+              <a:picLocks noChangeAspect="1"/>
+            </p:cNvPicPr>
+            <p:nvPr/>
+          </p:nvPicPr>
+          <p:blipFill>
+            <a:blip r:embed="rId5" cstate="print">
+              <a:extLst>
+                <a:ext uri="{28A0092B-C50C-407E-A947-70E740481C1C}">
+                  <a14:useLocalDpi xmlns:a14="http://schemas.microsoft.com/office/drawing/2010/main" val="0"/>
+                </a:ext>
+              </a:extLst>
+            </a:blip>
+            <a:stretch>
+              <a:fillRect/>
+            </a:stretch>
+          </p:blipFill>
+          <p:spPr>
+            <a:xfrm flipH="1">
+              <a:off x="570850" y="4329030"/>
+              <a:ext cx="388235" cy="388235"/>
+            </a:xfrm>
+            <a:prstGeom prst="rect">
+              <a:avLst/>
+            </a:prstGeom>
+          </p:spPr>
+        </p:pic>
+      </p:grpSp>
+      <p:cxnSp>
+        <p:nvCxnSpPr>
+          <p:cNvPr id="116" name="Straight Arrow Connector 115"/>
+          <p:cNvCxnSpPr>
+            <a:stCxn id="18" idx="2"/>
+            <a:endCxn id="19" idx="0"/>
+          </p:cNvCxnSpPr>
+          <p:nvPr/>
+        </p:nvCxnSpPr>
         <p:spPr>
           <a:xfrm>
-            <a:off x="1486772" y="1602916"/>
-            <a:ext cx="2903421" cy="523220"/>
+            <a:off x="2848040" y="1932954"/>
+            <a:ext cx="12423" cy="582425"/>
           </a:xfrm>
-          <a:prstGeom prst="rect">
+          <a:prstGeom prst="straightConnector1">
             <a:avLst/>
           </a:prstGeom>
-          <a:noFill/>
+          <a:ln w="38100">
+            <a:solidFill>
+              <a:srgbClr val="FFECFF"/>
+            </a:solidFill>
+            <a:tailEnd type="triangle"/>
+          </a:ln>
         </p:spPr>
-        <p:txBody>
-          <a:bodyPr wrap="square" rtlCol="0">
-            <a:spAutoFit/>
-          </a:bodyPr>
-          <a:lstStyle/>
-          <a:p>
-            <a:pPr algn="ctr"/>
-            <a:r>
-              <a:rPr lang="pt-BR" sz="1400" dirty="0" smtClean="0"/>
-              <a:t>Carrega a imagem e transforma em RGB usando a biblioteca Pillow.</a:t>
-            </a:r>
-            <a:endParaRPr lang="pt-BR" sz="1400" dirty="0" smtClean="0"/>
-          </a:p>
-        </p:txBody>
-      </p:sp>
-      <p:pic>
-        <p:nvPicPr>
-          <p:cNvPr id="5" name="Picture 4"/>
-          <p:cNvPicPr>
-            <a:picLocks noChangeAspect="1"/>
-          </p:cNvPicPr>
+        <p:style>
+          <a:lnRef idx="1">
+            <a:schemeClr val="accent1"/>
+          </a:lnRef>
+          <a:fillRef idx="0">
+            <a:schemeClr val="accent1"/>
+          </a:fillRef>
+          <a:effectRef idx="0">
+            <a:schemeClr val="accent1"/>
+          </a:effectRef>
+          <a:fontRef idx="minor">
+            <a:schemeClr val="tx1"/>
+          </a:fontRef>
+        </p:style>
+      </p:cxnSp>
+      <p:cxnSp>
+        <p:nvCxnSpPr>
+          <p:cNvPr id="117" name="Straight Arrow Connector 116"/>
+          <p:cNvCxnSpPr/>
           <p:nvPr/>
-        </p:nvPicPr>
-        <p:blipFill>
-          <a:blip r:embed="rId3" cstate="print">
-            <a:extLst>
-              <a:ext uri="{28A0092B-C50C-407E-A947-70E740481C1C}">
-                <a14:useLocalDpi xmlns:a14="http://schemas.microsoft.com/office/drawing/2010/main" val="0"/>
-              </a:ext>
-            </a:extLst>
-          </a:blip>
-          <a:stretch>
-            <a:fillRect/>
-          </a:stretch>
-        </p:blipFill>
+        </p:nvCxnSpPr>
         <p:spPr>
           <a:xfrm>
-            <a:off x="552047" y="1217719"/>
-            <a:ext cx="1063751" cy="1103149"/>
+            <a:off x="2781365" y="4152279"/>
+            <a:ext cx="12423" cy="582425"/>
           </a:xfrm>
-          <a:prstGeom prst="rect">
+          <a:prstGeom prst="straightConnector1">
             <a:avLst/>
           </a:prstGeom>
+          <a:ln w="38100">
+            <a:solidFill>
+              <a:srgbClr val="FFECFF"/>
+            </a:solidFill>
+            <a:tailEnd type="triangle"/>
+          </a:ln>
         </p:spPr>
-      </p:pic>
+        <p:style>
+          <a:lnRef idx="1">
+            <a:schemeClr val="accent1"/>
+          </a:lnRef>
+          <a:fillRef idx="0">
+            <a:schemeClr val="accent1"/>
+          </a:fillRef>
+          <a:effectRef idx="0">
+            <a:schemeClr val="accent1"/>
+          </a:effectRef>
+          <a:fontRef idx="minor">
+            <a:schemeClr val="tx1"/>
+          </a:fontRef>
+        </p:style>
+      </p:cxnSp>
     </p:spTree>
     <p:extLst>
       <p:ext uri="{BB962C8B-B14F-4D97-AF65-F5344CB8AC3E}">
